--- a/기획단계/졸작 제안서_최종수정중.pptx
+++ b/기획단계/졸작 제안서_최종수정중.pptx
@@ -1501,7 +1501,7 @@
             <a:fld id="{B61BEF0D-F0BB-DE4B-95CE-6DB70DBA9567}" type="datetimeFigureOut">
               <a:rPr lang="en-US" smtClean="0"/>
               <a:pPr/>
-              <a:t>12/10/2019</a:t>
+              <a:t>12/11/2019</a:t>
             </a:fld>
             <a:endParaRPr lang="en-US" dirty="0"/>
           </a:p>
@@ -1730,7 +1730,7 @@
           <a:p>
             <a:fld id="{55C6B4A9-1611-4792-9094-5F34BCA07E0B}" type="datetimeFigureOut">
               <a:rPr lang="en-US" smtClean="0"/>
-              <a:t>12/10/2019</a:t>
+              <a:t>12/11/2019</a:t>
             </a:fld>
             <a:endParaRPr lang="en-US" dirty="0"/>
           </a:p>
@@ -1911,7 +1911,7 @@
             <a:fld id="{B61BEF0D-F0BB-DE4B-95CE-6DB70DBA9567}" type="datetimeFigureOut">
               <a:rPr lang="en-US" smtClean="0"/>
               <a:pPr/>
-              <a:t>12/10/2019</a:t>
+              <a:t>12/11/2019</a:t>
             </a:fld>
             <a:endParaRPr lang="en-US" dirty="0"/>
           </a:p>
@@ -2082,7 +2082,7 @@
           <a:p>
             <a:fld id="{42A54C80-263E-416B-A8E0-580EDEADCBDC}" type="datetimeFigureOut">
               <a:rPr lang="en-US" smtClean="0"/>
-              <a:t>12/10/2019</a:t>
+              <a:t>12/11/2019</a:t>
             </a:fld>
             <a:endParaRPr lang="en-US" dirty="0"/>
           </a:p>
@@ -2337,7 +2337,7 @@
             <a:fld id="{B61BEF0D-F0BB-DE4B-95CE-6DB70DBA9567}" type="datetimeFigureOut">
               <a:rPr lang="en-US" smtClean="0"/>
               <a:pPr/>
-              <a:t>12/10/2019</a:t>
+              <a:t>12/11/2019</a:t>
             </a:fld>
             <a:endParaRPr lang="en-US" dirty="0"/>
           </a:p>
@@ -2664,7 +2664,7 @@
           <a:p>
             <a:fld id="{42A54C80-263E-416B-A8E0-580EDEADCBDC}" type="datetimeFigureOut">
               <a:rPr lang="en-US" smtClean="0"/>
-              <a:t>12/10/2019</a:t>
+              <a:t>12/11/2019</a:t>
             </a:fld>
             <a:endParaRPr lang="en-US" dirty="0"/>
           </a:p>
@@ -3116,7 +3116,7 @@
             <a:fld id="{B61BEF0D-F0BB-DE4B-95CE-6DB70DBA9567}" type="datetimeFigureOut">
               <a:rPr lang="en-US" smtClean="0"/>
               <a:pPr/>
-              <a:t>12/10/2019</a:t>
+              <a:t>12/11/2019</a:t>
             </a:fld>
             <a:endParaRPr lang="en-US" dirty="0"/>
           </a:p>
@@ -3236,7 +3236,7 @@
             <a:fld id="{B61BEF0D-F0BB-DE4B-95CE-6DB70DBA9567}" type="datetimeFigureOut">
               <a:rPr lang="en-US" smtClean="0"/>
               <a:pPr/>
-              <a:t>12/10/2019</a:t>
+              <a:t>12/11/2019</a:t>
             </a:fld>
             <a:endParaRPr lang="en-US" dirty="0"/>
           </a:p>
@@ -3333,7 +3333,7 @@
             <a:fld id="{B61BEF0D-F0BB-DE4B-95CE-6DB70DBA9567}" type="datetimeFigureOut">
               <a:rPr lang="en-US" smtClean="0"/>
               <a:pPr/>
-              <a:t>12/10/2019</a:t>
+              <a:t>12/11/2019</a:t>
             </a:fld>
             <a:endParaRPr lang="en-US" dirty="0"/>
           </a:p>
@@ -3621,7 +3621,7 @@
           <a:p>
             <a:fld id="{42A54C80-263E-416B-A8E0-580EDEADCBDC}" type="datetimeFigureOut">
               <a:rPr lang="en-US" smtClean="0"/>
-              <a:t>12/10/2019</a:t>
+              <a:t>12/11/2019</a:t>
             </a:fld>
             <a:endParaRPr lang="en-US" dirty="0"/>
           </a:p>
@@ -3944,7 +3944,7 @@
             <a:fld id="{B61BEF0D-F0BB-DE4B-95CE-6DB70DBA9567}" type="datetimeFigureOut">
               <a:rPr lang="en-US" smtClean="0"/>
               <a:pPr/>
-              <a:t>12/10/2019</a:t>
+              <a:t>12/11/2019</a:t>
             </a:fld>
             <a:endParaRPr lang="en-US" dirty="0"/>
           </a:p>
@@ -4200,7 +4200,7 @@
             <a:fld id="{B61BEF0D-F0BB-DE4B-95CE-6DB70DBA9567}" type="datetimeFigureOut">
               <a:rPr lang="en-US" smtClean="0"/>
               <a:pPr/>
-              <a:t>12/10/2019</a:t>
+              <a:t>12/11/2019</a:t>
             </a:fld>
             <a:endParaRPr lang="en-US" dirty="0"/>
           </a:p>
@@ -5572,7 +5572,7 @@
                 <a:latin typeface="HY헤드라인M" panose="02030600000101010101" pitchFamily="18" charset="-127"/>
                 <a:ea typeface="HY헤드라인M" panose="02030600000101010101" pitchFamily="18" charset="-127"/>
               </a:rPr>
-              <a:t>물리적 모델링을 구현한 카메라</a:t>
+              <a:t>물리적 모델링을 구현하여 카메라 설정</a:t>
             </a:r>
             <a:endParaRPr lang="en-US" altLang="ko-KR" sz="2400" dirty="0">
               <a:latin typeface="HY헤드라인M" panose="02030600000101010101" pitchFamily="18" charset="-127"/>
@@ -5901,7 +5901,21 @@
                 <a:latin typeface="HY헤드라인M" panose="02030600000101010101" pitchFamily="18" charset="-127"/>
                 <a:ea typeface="HY헤드라인M" panose="02030600000101010101" pitchFamily="18" charset="-127"/>
               </a:rPr>
-              <a:t>를 이용한 여러 개의 클라이언트 접속 유지</a:t>
+              <a:t>를 이용한 최대 </a:t>
+            </a:r>
+            <a:r>
+              <a:rPr lang="en-US" altLang="ko-KR" sz="2400" dirty="0">
+                <a:latin typeface="HY헤드라인M" panose="02030600000101010101" pitchFamily="18" charset="-127"/>
+                <a:ea typeface="HY헤드라인M" panose="02030600000101010101" pitchFamily="18" charset="-127"/>
+              </a:rPr>
+              <a:t>600</a:t>
+            </a:r>
+            <a:r>
+              <a:rPr lang="ko-KR" altLang="en-US" sz="2400" dirty="0">
+                <a:latin typeface="HY헤드라인M" panose="02030600000101010101" pitchFamily="18" charset="-127"/>
+                <a:ea typeface="HY헤드라인M" panose="02030600000101010101" pitchFamily="18" charset="-127"/>
+              </a:rPr>
+              <a:t>개의 클라이언트 접속 유지</a:t>
             </a:r>
             <a:endParaRPr lang="en-US" altLang="ko-KR" sz="2400" dirty="0">
               <a:latin typeface="HY헤드라인M" panose="02030600000101010101" pitchFamily="18" charset="-127"/>
@@ -7190,8 +7204,8 @@
         </p:nvSpPr>
         <p:spPr>
           <a:xfrm>
-            <a:off x="1656790" y="2215303"/>
-            <a:ext cx="8878420" cy="1753382"/>
+            <a:off x="1656790" y="2215304"/>
+            <a:ext cx="8878420" cy="1574272"/>
           </a:xfrm>
           <a:prstGeom prst="rect">
             <a:avLst/>
@@ -7227,58 +7241,38 @@
           <a:bodyPr rtlCol="0" anchor="t"/>
           <a:lstStyle/>
           <a:p>
-            <a:r>
-              <a:rPr lang="en-US" altLang="ko-KR" sz="2000" dirty="0">
-                <a:latin typeface="HY헤드라인M" panose="02030600000101010101" pitchFamily="18" charset="-127"/>
-                <a:ea typeface="HY헤드라인M" panose="02030600000101010101" pitchFamily="18" charset="-127"/>
-              </a:rPr>
-              <a:t>	-	</a:t>
-            </a:r>
-            <a:r>
-              <a:rPr lang="ko-KR" altLang="en-US" sz="2000" dirty="0">
-                <a:latin typeface="HY헤드라인M" panose="02030600000101010101" pitchFamily="18" charset="-127"/>
-                <a:ea typeface="HY헤드라인M" panose="02030600000101010101" pitchFamily="18" charset="-127"/>
-              </a:rPr>
-              <a:t>반동을 구현한 카메라</a:t>
-            </a:r>
             <a:endParaRPr lang="en-US" altLang="ko-KR" sz="2000" dirty="0">
               <a:latin typeface="HY헤드라인M" panose="02030600000101010101" pitchFamily="18" charset="-127"/>
               <a:ea typeface="HY헤드라인M" panose="02030600000101010101" pitchFamily="18" charset="-127"/>
             </a:endParaRPr>
           </a:p>
           <a:p>
+            <a:r>
+              <a:rPr lang="en-US" altLang="ko-KR" sz="2000" dirty="0">
+                <a:latin typeface="HY헤드라인M" panose="02030600000101010101" pitchFamily="18" charset="-127"/>
+                <a:ea typeface="HY헤드라인M" panose="02030600000101010101" pitchFamily="18" charset="-127"/>
+              </a:rPr>
+              <a:t>	-	</a:t>
+            </a:r>
+            <a:r>
+              <a:rPr lang="ko-KR" altLang="en-US" sz="2000" dirty="0">
+                <a:latin typeface="HY헤드라인M" panose="02030600000101010101" pitchFamily="18" charset="-127"/>
+                <a:ea typeface="HY헤드라인M" panose="02030600000101010101" pitchFamily="18" charset="-127"/>
+              </a:rPr>
+              <a:t>포스트 프로세싱을 사용한 속도감 표현</a:t>
+            </a:r>
             <a:endParaRPr lang="en-US" altLang="ko-KR" sz="2000" dirty="0">
               <a:latin typeface="HY헤드라인M" panose="02030600000101010101" pitchFamily="18" charset="-127"/>
               <a:ea typeface="HY헤드라인M" panose="02030600000101010101" pitchFamily="18" charset="-127"/>
             </a:endParaRPr>
           </a:p>
           <a:p>
-            <a:r>
-              <a:rPr lang="en-US" altLang="ko-KR" sz="2000" dirty="0">
-                <a:latin typeface="HY헤드라인M" panose="02030600000101010101" pitchFamily="18" charset="-127"/>
-                <a:ea typeface="HY헤드라인M" panose="02030600000101010101" pitchFamily="18" charset="-127"/>
-              </a:rPr>
-              <a:t>	-	</a:t>
-            </a:r>
-            <a:r>
-              <a:rPr lang="ko-KR" altLang="en-US" sz="2000" dirty="0">
-                <a:latin typeface="HY헤드라인M" panose="02030600000101010101" pitchFamily="18" charset="-127"/>
-                <a:ea typeface="HY헤드라인M" panose="02030600000101010101" pitchFamily="18" charset="-127"/>
-              </a:rPr>
-              <a:t>렌더링 최적화</a:t>
-            </a:r>
             <a:endParaRPr lang="en-US" altLang="ko-KR" sz="2000" dirty="0">
               <a:latin typeface="HY헤드라인M" panose="02030600000101010101" pitchFamily="18" charset="-127"/>
               <a:ea typeface="HY헤드라인M" panose="02030600000101010101" pitchFamily="18" charset="-127"/>
             </a:endParaRPr>
           </a:p>
           <a:p>
-            <a:endParaRPr lang="en-US" altLang="ko-KR" sz="2000" dirty="0">
-              <a:latin typeface="HY헤드라인M" panose="02030600000101010101" pitchFamily="18" charset="-127"/>
-              <a:ea typeface="HY헤드라인M" panose="02030600000101010101" pitchFamily="18" charset="-127"/>
-            </a:endParaRPr>
-          </a:p>
-          <a:p>
             <a:r>
               <a:rPr lang="en-US" altLang="ko-KR" sz="2000" dirty="0">
                 <a:latin typeface="HY헤드라인M" panose="02030600000101010101" pitchFamily="18" charset="-127"/>
@@ -7287,18 +7281,12 @@
               <a:t>	-	</a:t>
             </a:r>
             <a:r>
-              <a:rPr lang="ko-KR" altLang="en-US" sz="2000" dirty="0" err="1">
-                <a:latin typeface="HY헤드라인M" panose="02030600000101010101" pitchFamily="18" charset="-127"/>
-                <a:ea typeface="HY헤드라인M" panose="02030600000101010101" pitchFamily="18" charset="-127"/>
-              </a:rPr>
-              <a:t>블러링</a:t>
-            </a:r>
-            <a:endParaRPr lang="en-US" altLang="ko-KR" sz="2000" dirty="0">
-              <a:latin typeface="HY헤드라인M" panose="02030600000101010101" pitchFamily="18" charset="-127"/>
-              <a:ea typeface="HY헤드라인M" panose="02030600000101010101" pitchFamily="18" charset="-127"/>
-            </a:endParaRPr>
-          </a:p>
-          <a:p>
+              <a:rPr lang="ko-KR" altLang="en-US" sz="2000" dirty="0">
+                <a:latin typeface="HY헤드라인M" panose="02030600000101010101" pitchFamily="18" charset="-127"/>
+                <a:ea typeface="HY헤드라인M" panose="02030600000101010101" pitchFamily="18" charset="-127"/>
+              </a:rPr>
+              <a:t>물리적 모델링을 구현한 카메라의 이동</a:t>
+            </a:r>
             <a:endParaRPr lang="en-US" altLang="ko-KR" sz="2000" dirty="0">
               <a:latin typeface="HY헤드라인M" panose="02030600000101010101" pitchFamily="18" charset="-127"/>
               <a:ea typeface="HY헤드라인M" panose="02030600000101010101" pitchFamily="18" charset="-127"/>
@@ -7320,7 +7308,7 @@
         </p:nvSpPr>
         <p:spPr>
           <a:xfrm>
-            <a:off x="1656790" y="4330797"/>
+            <a:off x="1656790" y="4093118"/>
             <a:ext cx="8878420" cy="809625"/>
           </a:xfrm>
           <a:prstGeom prst="rect">
@@ -7379,8 +7367,8 @@
         </p:nvSpPr>
         <p:spPr>
           <a:xfrm>
-            <a:off x="1656790" y="5140422"/>
-            <a:ext cx="8878420" cy="1206593"/>
+            <a:off x="1656790" y="4902743"/>
+            <a:ext cx="8878420" cy="1562036"/>
           </a:xfrm>
           <a:prstGeom prst="rect">
             <a:avLst/>
@@ -7415,6 +7403,15 @@
         <p:txBody>
           <a:bodyPr rtlCol="0" anchor="t"/>
           <a:lstStyle/>
+          <a:p>
+            <a:r>
+              <a:rPr lang="en-US" altLang="ko-KR" sz="2000" dirty="0">
+                <a:latin typeface="HY헤드라인M" panose="02030600000101010101" pitchFamily="18" charset="-127"/>
+                <a:ea typeface="HY헤드라인M" panose="02030600000101010101" pitchFamily="18" charset="-127"/>
+              </a:rPr>
+              <a:t>	</a:t>
+            </a:r>
+          </a:p>
           <a:p>
             <a:r>
               <a:rPr lang="en-US" altLang="ko-KR" sz="2000" dirty="0">

--- a/기획단계/졸작 제안서_최종수정중.pptx
+++ b/기획단계/졸작 제안서_최종수정중.pptx
@@ -5506,18 +5506,25 @@
               <a:t>	-	</a:t>
             </a:r>
             <a:r>
+              <a:rPr lang="ko-KR" altLang="en-US" sz="2400" dirty="0">
+                <a:latin typeface="HY헤드라인M" panose="02030600000101010101" pitchFamily="18" charset="-127"/>
+                <a:ea typeface="HY헤드라인M" panose="02030600000101010101" pitchFamily="18" charset="-127"/>
+              </a:rPr>
+              <a:t>기하 </a:t>
+            </a:r>
+            <a:r>
               <a:rPr lang="ko-KR" altLang="en-US" sz="2400" dirty="0" err="1">
                 <a:latin typeface="HY헤드라인M" panose="02030600000101010101" pitchFamily="18" charset="-127"/>
                 <a:ea typeface="HY헤드라인M" panose="02030600000101010101" pitchFamily="18" charset="-127"/>
               </a:rPr>
-              <a:t>셰이더</a:t>
+              <a:t>쉐이더를</a:t>
             </a:r>
             <a:r>
               <a:rPr lang="ko-KR" altLang="en-US" sz="2400" dirty="0">
                 <a:latin typeface="HY헤드라인M" panose="02030600000101010101" pitchFamily="18" charset="-127"/>
                 <a:ea typeface="HY헤드라인M" panose="02030600000101010101" pitchFamily="18" charset="-127"/>
               </a:rPr>
-              <a:t> 프로그래밍을 이용한 게임 표현</a:t>
+              <a:t> 이용한 연산 최소화</a:t>
             </a:r>
             <a:endParaRPr lang="en-US" altLang="ko-KR" sz="2400" dirty="0">
               <a:latin typeface="HY헤드라인M" panose="02030600000101010101" pitchFamily="18" charset="-127"/>
@@ -8555,7 +8562,7 @@
           <p:nvPr>
             <p:extLst>
               <p:ext uri="{D42A27DB-BD31-4B8C-83A1-F6EECF244321}">
-                <p14:modId xmlns:p14="http://schemas.microsoft.com/office/powerpoint/2010/main" val="2898460550"/>
+                <p14:modId xmlns:p14="http://schemas.microsoft.com/office/powerpoint/2010/main" val="449190290"/>
               </p:ext>
             </p:extLst>
           </p:nvPr>
@@ -10530,7 +10537,7 @@
                           <a:latin typeface="+mn-ea"/>
                           <a:ea typeface="+mn-ea"/>
                         </a:rPr>
-                        <a:t>셰이더</a:t>
+                        <a:t>쉐이더</a:t>
                       </a:r>
                       <a:endParaRPr lang="ko-KR" altLang="en-US" sz="1000" b="1" kern="0" spc="0" dirty="0">
                         <a:solidFill>
@@ -19691,7 +19698,7 @@
         </p:nvSpPr>
         <p:spPr>
           <a:xfrm>
-            <a:off x="642377" y="3149106"/>
+            <a:off x="642377" y="1386294"/>
             <a:ext cx="11122398" cy="830997"/>
           </a:xfrm>
           <a:prstGeom prst="rect">
@@ -19728,6 +19735,63 @@
               <a:t>!"</a:t>
             </a:r>
             <a:endParaRPr lang="ko-KR" altLang="en-US" sz="4800" dirty="0"/>
+          </a:p>
+        </p:txBody>
+      </p:sp>
+      <p:sp>
+        <p:nvSpPr>
+          <p:cNvPr id="2" name="직사각형 1">
+            <a:extLst>
+              <a:ext uri="{FF2B5EF4-FFF2-40B4-BE49-F238E27FC236}">
+                <a16:creationId xmlns:a16="http://schemas.microsoft.com/office/drawing/2014/main" id="{4220CC80-E931-411D-9ED6-4A65941ECEC5}"/>
+              </a:ext>
+            </a:extLst>
+          </p:cNvPr>
+          <p:cNvSpPr/>
+          <p:nvPr/>
+        </p:nvSpPr>
+        <p:spPr>
+          <a:xfrm>
+            <a:off x="1253765" y="2217291"/>
+            <a:ext cx="9907571" cy="4383534"/>
+          </a:xfrm>
+          <a:prstGeom prst="rect">
+            <a:avLst/>
+          </a:prstGeom>
+          <a:blipFill>
+            <a:blip r:embed="rId2"/>
+            <a:stretch>
+              <a:fillRect/>
+            </a:stretch>
+          </a:blipFill>
+          <a:ln w="38100">
+            <a:solidFill>
+              <a:srgbClr val="D9D9D9"/>
+            </a:solidFill>
+          </a:ln>
+        </p:spPr>
+        <p:style>
+          <a:lnRef idx="2">
+            <a:schemeClr val="accent1">
+              <a:shade val="50000"/>
+            </a:schemeClr>
+          </a:lnRef>
+          <a:fillRef idx="1">
+            <a:schemeClr val="accent1"/>
+          </a:fillRef>
+          <a:effectRef idx="0">
+            <a:schemeClr val="accent1"/>
+          </a:effectRef>
+          <a:fontRef idx="minor">
+            <a:schemeClr val="lt1"/>
+          </a:fontRef>
+        </p:style>
+        <p:txBody>
+          <a:bodyPr rtlCol="0" anchor="ctr"/>
+          <a:lstStyle/>
+          <a:p>
+            <a:pPr algn="ctr"/>
+            <a:endParaRPr lang="ko-KR" altLang="en-US"/>
           </a:p>
         </p:txBody>
       </p:sp>

--- a/기획단계/졸작 제안서_최종수정중.pptx
+++ b/기획단계/졸작 제안서_최종수정중.pptx
@@ -5442,6 +5442,15 @@
                 <a:latin typeface="HY헤드라인M" panose="02030600000101010101" pitchFamily="18" charset="-127"/>
                 <a:ea typeface="HY헤드라인M" panose="02030600000101010101" pitchFamily="18" charset="-127"/>
               </a:rPr>
+              <a:t>	</a:t>
+            </a:r>
+          </a:p>
+          <a:p>
+            <a:r>
+              <a:rPr lang="en-US" altLang="ko-KR" sz="2400" dirty="0">
+                <a:latin typeface="HY헤드라인M" panose="02030600000101010101" pitchFamily="18" charset="-127"/>
+                <a:ea typeface="HY헤드라인M" panose="02030600000101010101" pitchFamily="18" charset="-127"/>
+              </a:rPr>
               <a:t>	-	</a:t>
             </a:r>
             <a:r>
@@ -5485,46 +5494,6 @@
                 <a:ea typeface="HY헤드라인M" panose="02030600000101010101" pitchFamily="18" charset="-127"/>
               </a:rPr>
               <a:t> 통한 렌더링 최적화</a:t>
-            </a:r>
-            <a:endParaRPr lang="en-US" altLang="ko-KR" sz="2400" dirty="0">
-              <a:latin typeface="HY헤드라인M" panose="02030600000101010101" pitchFamily="18" charset="-127"/>
-              <a:ea typeface="HY헤드라인M" panose="02030600000101010101" pitchFamily="18" charset="-127"/>
-            </a:endParaRPr>
-          </a:p>
-          <a:p>
-            <a:endParaRPr lang="en-US" altLang="ko-KR" sz="2400" dirty="0">
-              <a:latin typeface="HY헤드라인M" panose="02030600000101010101" pitchFamily="18" charset="-127"/>
-              <a:ea typeface="HY헤드라인M" panose="02030600000101010101" pitchFamily="18" charset="-127"/>
-            </a:endParaRPr>
-          </a:p>
-          <a:p>
-            <a:r>
-              <a:rPr lang="en-US" altLang="ko-KR" sz="2400" dirty="0">
-                <a:latin typeface="HY헤드라인M" panose="02030600000101010101" pitchFamily="18" charset="-127"/>
-                <a:ea typeface="HY헤드라인M" panose="02030600000101010101" pitchFamily="18" charset="-127"/>
-              </a:rPr>
-              <a:t>	-	</a:t>
-            </a:r>
-            <a:r>
-              <a:rPr lang="ko-KR" altLang="en-US" sz="2400" dirty="0">
-                <a:latin typeface="HY헤드라인M" panose="02030600000101010101" pitchFamily="18" charset="-127"/>
-                <a:ea typeface="HY헤드라인M" panose="02030600000101010101" pitchFamily="18" charset="-127"/>
-              </a:rPr>
-              <a:t>기하 </a:t>
-            </a:r>
-            <a:r>
-              <a:rPr lang="ko-KR" altLang="en-US" sz="2400" dirty="0" err="1">
-                <a:latin typeface="HY헤드라인M" panose="02030600000101010101" pitchFamily="18" charset="-127"/>
-                <a:ea typeface="HY헤드라인M" panose="02030600000101010101" pitchFamily="18" charset="-127"/>
-              </a:rPr>
-              <a:t>쉐이더를</a:t>
-            </a:r>
-            <a:r>
-              <a:rPr lang="ko-KR" altLang="en-US" sz="2400" dirty="0">
-                <a:latin typeface="HY헤드라인M" panose="02030600000101010101" pitchFamily="18" charset="-127"/>
-                <a:ea typeface="HY헤드라인M" panose="02030600000101010101" pitchFamily="18" charset="-127"/>
-              </a:rPr>
-              <a:t> 이용한 연산 최소화</a:t>
             </a:r>
             <a:endParaRPr lang="en-US" altLang="ko-KR" sz="2400" dirty="0">
               <a:latin typeface="HY헤드라인M" panose="02030600000101010101" pitchFamily="18" charset="-127"/>

--- a/기획단계/졸작 제안서_최종수정중.pptx
+++ b/기획단계/졸작 제안서_최종수정중.pptx
@@ -18982,7 +18982,7 @@
                 <a:latin typeface="HY헤드라인M" panose="02030600000101010101" pitchFamily="18" charset="-127"/>
                 <a:ea typeface="HY헤드라인M" panose="02030600000101010101" pitchFamily="18" charset="-127"/>
               </a:rPr>
-              <a:t>메인 클라이언트</a:t>
+              <a:t>클라이언트</a:t>
             </a:r>
             <a:endParaRPr lang="en-US" altLang="ko-KR" sz="1000" dirty="0">
               <a:latin typeface="HY헤드라인M" panose="02030600000101010101" pitchFamily="18" charset="-127"/>

--- a/기획단계/졸작 제안서_최종수정중.pptx
+++ b/기획단계/졸작 제안서_최종수정중.pptx
@@ -14,7 +14,7 @@
     <p:sldId id="268" r:id="rId8"/>
     <p:sldId id="275" r:id="rId9"/>
     <p:sldId id="262" r:id="rId10"/>
-    <p:sldId id="276" r:id="rId11"/>
+    <p:sldId id="277" r:id="rId11"/>
     <p:sldId id="269" r:id="rId12"/>
     <p:sldId id="264" r:id="rId13"/>
     <p:sldId id="265" r:id="rId14"/>
@@ -1501,7 +1501,7 @@
             <a:fld id="{B61BEF0D-F0BB-DE4B-95CE-6DB70DBA9567}" type="datetimeFigureOut">
               <a:rPr lang="en-US" smtClean="0"/>
               <a:pPr/>
-              <a:t>12/11/2019</a:t>
+              <a:t>12/12/2019</a:t>
             </a:fld>
             <a:endParaRPr lang="en-US" dirty="0"/>
           </a:p>
@@ -1730,7 +1730,7 @@
           <a:p>
             <a:fld id="{55C6B4A9-1611-4792-9094-5F34BCA07E0B}" type="datetimeFigureOut">
               <a:rPr lang="en-US" smtClean="0"/>
-              <a:t>12/11/2019</a:t>
+              <a:t>12/12/2019</a:t>
             </a:fld>
             <a:endParaRPr lang="en-US" dirty="0"/>
           </a:p>
@@ -1911,7 +1911,7 @@
             <a:fld id="{B61BEF0D-F0BB-DE4B-95CE-6DB70DBA9567}" type="datetimeFigureOut">
               <a:rPr lang="en-US" smtClean="0"/>
               <a:pPr/>
-              <a:t>12/11/2019</a:t>
+              <a:t>12/12/2019</a:t>
             </a:fld>
             <a:endParaRPr lang="en-US" dirty="0"/>
           </a:p>
@@ -2082,7 +2082,7 @@
           <a:p>
             <a:fld id="{42A54C80-263E-416B-A8E0-580EDEADCBDC}" type="datetimeFigureOut">
               <a:rPr lang="en-US" smtClean="0"/>
-              <a:t>12/11/2019</a:t>
+              <a:t>12/12/2019</a:t>
             </a:fld>
             <a:endParaRPr lang="en-US" dirty="0"/>
           </a:p>
@@ -2337,7 +2337,7 @@
             <a:fld id="{B61BEF0D-F0BB-DE4B-95CE-6DB70DBA9567}" type="datetimeFigureOut">
               <a:rPr lang="en-US" smtClean="0"/>
               <a:pPr/>
-              <a:t>12/11/2019</a:t>
+              <a:t>12/12/2019</a:t>
             </a:fld>
             <a:endParaRPr lang="en-US" dirty="0"/>
           </a:p>
@@ -2664,7 +2664,7 @@
           <a:p>
             <a:fld id="{42A54C80-263E-416B-A8E0-580EDEADCBDC}" type="datetimeFigureOut">
               <a:rPr lang="en-US" smtClean="0"/>
-              <a:t>12/11/2019</a:t>
+              <a:t>12/12/2019</a:t>
             </a:fld>
             <a:endParaRPr lang="en-US" dirty="0"/>
           </a:p>
@@ -3116,7 +3116,7 @@
             <a:fld id="{B61BEF0D-F0BB-DE4B-95CE-6DB70DBA9567}" type="datetimeFigureOut">
               <a:rPr lang="en-US" smtClean="0"/>
               <a:pPr/>
-              <a:t>12/11/2019</a:t>
+              <a:t>12/12/2019</a:t>
             </a:fld>
             <a:endParaRPr lang="en-US" dirty="0"/>
           </a:p>
@@ -3236,7 +3236,7 @@
             <a:fld id="{B61BEF0D-F0BB-DE4B-95CE-6DB70DBA9567}" type="datetimeFigureOut">
               <a:rPr lang="en-US" smtClean="0"/>
               <a:pPr/>
-              <a:t>12/11/2019</a:t>
+              <a:t>12/12/2019</a:t>
             </a:fld>
             <a:endParaRPr lang="en-US" dirty="0"/>
           </a:p>
@@ -3333,7 +3333,7 @@
             <a:fld id="{B61BEF0D-F0BB-DE4B-95CE-6DB70DBA9567}" type="datetimeFigureOut">
               <a:rPr lang="en-US" smtClean="0"/>
               <a:pPr/>
-              <a:t>12/11/2019</a:t>
+              <a:t>12/12/2019</a:t>
             </a:fld>
             <a:endParaRPr lang="en-US" dirty="0"/>
           </a:p>
@@ -3621,7 +3621,7 @@
           <a:p>
             <a:fld id="{42A54C80-263E-416B-A8E0-580EDEADCBDC}" type="datetimeFigureOut">
               <a:rPr lang="en-US" smtClean="0"/>
-              <a:t>12/11/2019</a:t>
+              <a:t>12/12/2019</a:t>
             </a:fld>
             <a:endParaRPr lang="en-US" dirty="0"/>
           </a:p>
@@ -3944,7 +3944,7 @@
             <a:fld id="{B61BEF0D-F0BB-DE4B-95CE-6DB70DBA9567}" type="datetimeFigureOut">
               <a:rPr lang="en-US" smtClean="0"/>
               <a:pPr/>
-              <a:t>12/11/2019</a:t>
+              <a:t>12/12/2019</a:t>
             </a:fld>
             <a:endParaRPr lang="en-US" dirty="0"/>
           </a:p>
@@ -4200,7 +4200,7 @@
             <a:fld id="{B61BEF0D-F0BB-DE4B-95CE-6DB70DBA9567}" type="datetimeFigureOut">
               <a:rPr lang="en-US" smtClean="0"/>
               <a:pPr/>
-              <a:t>12/11/2019</a:t>
+              <a:t>12/12/2019</a:t>
             </a:fld>
             <a:endParaRPr lang="en-US" dirty="0"/>
           </a:p>
@@ -5149,7 +5149,7 @@
 </file>
 
 <file path=ppt/slides/slide10.xml><?xml version="1.0" encoding="utf-8"?>
-<p:sld xmlns:a="http://schemas.openxmlformats.org/drawingml/2006/main" xmlns:r="http://schemas.openxmlformats.org/officeDocument/2006/relationships" xmlns:p="http://schemas.openxmlformats.org/presentationml/2006/main">
+<p:sld xmlns:a="http://schemas.openxmlformats.org/drawingml/2006/main" xmlns:r="http://schemas.openxmlformats.org/officeDocument/2006/relationships" xmlns:p="http://schemas.openxmlformats.org/presentationml/2006/main" showMasterSp="0">
   <p:cSld>
     <p:spTree>
       <p:nvGrpSpPr>
@@ -5270,10 +5270,177 @@
       </p:sp>
       <p:sp>
         <p:nvSpPr>
-          <p:cNvPr id="4" name="직사각형 3">
+          <p:cNvPr id="7" name="직사각형 6">
             <a:extLst>
               <a:ext uri="{FF2B5EF4-FFF2-40B4-BE49-F238E27FC236}">
-                <a16:creationId xmlns:a16="http://schemas.microsoft.com/office/drawing/2014/main" id="{C7A9A389-7B45-4FDD-BB1C-85EDD793729F}"/>
+                <a16:creationId xmlns:a16="http://schemas.microsoft.com/office/drawing/2014/main" id="{BF396545-6113-4DDE-82E0-9281F12B8437}"/>
+              </a:ext>
+            </a:extLst>
+          </p:cNvPr>
+          <p:cNvSpPr/>
+          <p:nvPr/>
+        </p:nvSpPr>
+        <p:spPr>
+          <a:xfrm>
+            <a:off x="1924051" y="3175892"/>
+            <a:ext cx="8878420" cy="1697766"/>
+          </a:xfrm>
+          <a:prstGeom prst="rect">
+            <a:avLst/>
+          </a:prstGeom>
+          <a:solidFill>
+            <a:srgbClr val="595959"/>
+          </a:solidFill>
+          <a:ln w="38100">
+            <a:solidFill>
+              <a:schemeClr val="tx1">
+                <a:lumMod val="85000"/>
+              </a:schemeClr>
+            </a:solidFill>
+          </a:ln>
+        </p:spPr>
+        <p:style>
+          <a:lnRef idx="2">
+            <a:schemeClr val="accent1">
+              <a:shade val="50000"/>
+            </a:schemeClr>
+          </a:lnRef>
+          <a:fillRef idx="1">
+            <a:schemeClr val="accent1"/>
+          </a:fillRef>
+          <a:effectRef idx="0">
+            <a:schemeClr val="accent1"/>
+          </a:effectRef>
+          <a:fontRef idx="minor">
+            <a:schemeClr val="lt1"/>
+          </a:fontRef>
+        </p:style>
+        <p:txBody>
+          <a:bodyPr rtlCol="0" anchor="t"/>
+          <a:lstStyle/>
+          <a:p>
+            <a:pPr algn="ctr"/>
+            <a:r>
+              <a:rPr lang="en-US" altLang="ko-KR" sz="2000" dirty="0">
+                <a:latin typeface="HY헤드라인M" panose="02030600000101010101" pitchFamily="18" charset="-127"/>
+                <a:ea typeface="HY헤드라인M" panose="02030600000101010101" pitchFamily="18" charset="-127"/>
+              </a:rPr>
+              <a:t>-	</a:t>
+            </a:r>
+            <a:r>
+              <a:rPr lang="ko-KR" altLang="en-US" sz="2000" dirty="0" err="1">
+                <a:latin typeface="HY헤드라인M" panose="02030600000101010101" pitchFamily="18" charset="-127"/>
+                <a:ea typeface="HY헤드라인M" panose="02030600000101010101" pitchFamily="18" charset="-127"/>
+              </a:rPr>
+              <a:t>인스턴싱</a:t>
+            </a:r>
+            <a:r>
+              <a:rPr lang="en-US" altLang="ko-KR" sz="2000" dirty="0">
+                <a:latin typeface="HY헤드라인M" panose="02030600000101010101" pitchFamily="18" charset="-127"/>
+                <a:ea typeface="HY헤드라인M" panose="02030600000101010101" pitchFamily="18" charset="-127"/>
+              </a:rPr>
+              <a:t>, </a:t>
+            </a:r>
+            <a:r>
+              <a:rPr lang="ko-KR" altLang="en-US" sz="2000" dirty="0" err="1">
+                <a:latin typeface="HY헤드라인M" panose="02030600000101010101" pitchFamily="18" charset="-127"/>
+                <a:ea typeface="HY헤드라인M" panose="02030600000101010101" pitchFamily="18" charset="-127"/>
+              </a:rPr>
+              <a:t>절두체</a:t>
+            </a:r>
+            <a:r>
+              <a:rPr lang="ko-KR" altLang="en-US" sz="2000" dirty="0">
+                <a:latin typeface="HY헤드라인M" panose="02030600000101010101" pitchFamily="18" charset="-127"/>
+                <a:ea typeface="HY헤드라인M" panose="02030600000101010101" pitchFamily="18" charset="-127"/>
+              </a:rPr>
+              <a:t> </a:t>
+            </a:r>
+            <a:r>
+              <a:rPr lang="ko-KR" altLang="en-US" sz="2000" dirty="0" err="1">
+                <a:latin typeface="HY헤드라인M" panose="02030600000101010101" pitchFamily="18" charset="-127"/>
+                <a:ea typeface="HY헤드라인M" panose="02030600000101010101" pitchFamily="18" charset="-127"/>
+              </a:rPr>
+              <a:t>컬링을</a:t>
+            </a:r>
+            <a:r>
+              <a:rPr lang="ko-KR" altLang="en-US" sz="2000" dirty="0">
+                <a:latin typeface="HY헤드라인M" panose="02030600000101010101" pitchFamily="18" charset="-127"/>
+                <a:ea typeface="HY헤드라인M" panose="02030600000101010101" pitchFamily="18" charset="-127"/>
+              </a:rPr>
+              <a:t> 통한 렌더링 최적화</a:t>
+            </a:r>
+            <a:endParaRPr lang="en-US" altLang="ko-KR" sz="2000" dirty="0">
+              <a:latin typeface="HY헤드라인M" panose="02030600000101010101" pitchFamily="18" charset="-127"/>
+              <a:ea typeface="HY헤드라인M" panose="02030600000101010101" pitchFamily="18" charset="-127"/>
+            </a:endParaRPr>
+          </a:p>
+          <a:p>
+            <a:pPr algn="ctr"/>
+            <a:r>
+              <a:rPr lang="en-US" altLang="ko-KR" sz="2000" dirty="0">
+                <a:latin typeface="HY헤드라인M" panose="02030600000101010101" pitchFamily="18" charset="-127"/>
+                <a:ea typeface="HY헤드라인M" panose="02030600000101010101" pitchFamily="18" charset="-127"/>
+              </a:rPr>
+              <a:t>	</a:t>
+            </a:r>
+          </a:p>
+          <a:p>
+            <a:pPr algn="ctr"/>
+            <a:r>
+              <a:rPr lang="en-US" altLang="ko-KR" sz="2000" dirty="0">
+                <a:latin typeface="HY헤드라인M" panose="02030600000101010101" pitchFamily="18" charset="-127"/>
+                <a:ea typeface="HY헤드라인M" panose="02030600000101010101" pitchFamily="18" charset="-127"/>
+              </a:rPr>
+              <a:t>- 	</a:t>
+            </a:r>
+            <a:r>
+              <a:rPr lang="ko-KR" altLang="en-US" sz="2000" dirty="0">
+                <a:latin typeface="HY헤드라인M" panose="02030600000101010101" pitchFamily="18" charset="-127"/>
+                <a:ea typeface="HY헤드라인M" panose="02030600000101010101" pitchFamily="18" charset="-127"/>
+              </a:rPr>
+              <a:t>포스트 프로세싱을 이용한 잔상 효과</a:t>
+            </a:r>
+            <a:endParaRPr lang="en-US" altLang="ko-KR" sz="2000" dirty="0">
+              <a:latin typeface="HY헤드라인M" panose="02030600000101010101" pitchFamily="18" charset="-127"/>
+              <a:ea typeface="HY헤드라인M" panose="02030600000101010101" pitchFamily="18" charset="-127"/>
+            </a:endParaRPr>
+          </a:p>
+          <a:p>
+            <a:pPr algn="ctr"/>
+            <a:endParaRPr lang="en-US" altLang="ko-KR" sz="2000" dirty="0">
+              <a:latin typeface="HY헤드라인M" panose="02030600000101010101" pitchFamily="18" charset="-127"/>
+              <a:ea typeface="HY헤드라인M" panose="02030600000101010101" pitchFamily="18" charset="-127"/>
+            </a:endParaRPr>
+          </a:p>
+          <a:p>
+            <a:pPr algn="ctr"/>
+            <a:r>
+              <a:rPr lang="en-US" altLang="ko-KR" sz="2000" dirty="0">
+                <a:latin typeface="HY헤드라인M" panose="02030600000101010101" pitchFamily="18" charset="-127"/>
+                <a:ea typeface="HY헤드라인M" panose="02030600000101010101" pitchFamily="18" charset="-127"/>
+              </a:rPr>
+              <a:t>-	</a:t>
+            </a:r>
+            <a:r>
+              <a:rPr lang="ko-KR" altLang="en-US" sz="2000" dirty="0">
+                <a:latin typeface="HY헤드라인M" panose="02030600000101010101" pitchFamily="18" charset="-127"/>
+                <a:ea typeface="HY헤드라인M" panose="02030600000101010101" pitchFamily="18" charset="-127"/>
+              </a:rPr>
+              <a:t>물리적 모델링을 구현하여 카메라 설정</a:t>
+            </a:r>
+            <a:endParaRPr lang="en-US" altLang="ko-KR" sz="2000" dirty="0">
+              <a:latin typeface="HY헤드라인M" panose="02030600000101010101" pitchFamily="18" charset="-127"/>
+              <a:ea typeface="HY헤드라인M" panose="02030600000101010101" pitchFamily="18" charset="-127"/>
+            </a:endParaRPr>
+          </a:p>
+        </p:txBody>
+      </p:sp>
+      <p:sp>
+        <p:nvSpPr>
+          <p:cNvPr id="9" name="직사각형 8">
+            <a:extLst>
+              <a:ext uri="{FF2B5EF4-FFF2-40B4-BE49-F238E27FC236}">
+                <a16:creationId xmlns:a16="http://schemas.microsoft.com/office/drawing/2014/main" id="{2B2B06BF-131C-4C73-9D43-281936A23D1D}"/>
               </a:ext>
             </a:extLst>
           </p:cNvPr>
@@ -5332,7 +5499,7 @@
           <p:cNvPr id="10" name="직사각형 9">
             <a:extLst>
               <a:ext uri="{FF2B5EF4-FFF2-40B4-BE49-F238E27FC236}">
-                <a16:creationId xmlns:a16="http://schemas.microsoft.com/office/drawing/2014/main" id="{F3625E38-9DD3-4442-BF57-8A052A202C27}"/>
+                <a16:creationId xmlns:a16="http://schemas.microsoft.com/office/drawing/2014/main" id="{1547B476-51A4-4E3A-BB2C-3C9E255847BF}"/>
               </a:ext>
             </a:extLst>
           </p:cNvPr>
@@ -5386,212 +5553,10 @@
           </a:p>
         </p:txBody>
       </p:sp>
-      <p:sp>
-        <p:nvSpPr>
-          <p:cNvPr id="7" name="직사각형 6">
-            <a:extLst>
-              <a:ext uri="{FF2B5EF4-FFF2-40B4-BE49-F238E27FC236}">
-                <a16:creationId xmlns:a16="http://schemas.microsoft.com/office/drawing/2014/main" id="{279B02B2-5E4C-4558-BAFE-F64A24F0DBA3}"/>
-              </a:ext>
-            </a:extLst>
-          </p:cNvPr>
-          <p:cNvSpPr/>
-          <p:nvPr/>
-        </p:nvSpPr>
-        <p:spPr>
-          <a:xfrm>
-            <a:off x="1924051" y="3175891"/>
-            <a:ext cx="8878420" cy="2821497"/>
-          </a:xfrm>
-          <a:prstGeom prst="rect">
-            <a:avLst/>
-          </a:prstGeom>
-          <a:solidFill>
-            <a:srgbClr val="595959"/>
-          </a:solidFill>
-          <a:ln w="38100">
-            <a:solidFill>
-              <a:schemeClr val="tx1">
-                <a:lumMod val="85000"/>
-              </a:schemeClr>
-            </a:solidFill>
-          </a:ln>
-        </p:spPr>
-        <p:style>
-          <a:lnRef idx="2">
-            <a:schemeClr val="accent1">
-              <a:shade val="50000"/>
-            </a:schemeClr>
-          </a:lnRef>
-          <a:fillRef idx="1">
-            <a:schemeClr val="accent1"/>
-          </a:fillRef>
-          <a:effectRef idx="0">
-            <a:schemeClr val="accent1"/>
-          </a:effectRef>
-          <a:fontRef idx="minor">
-            <a:schemeClr val="lt1"/>
-          </a:fontRef>
-        </p:style>
-        <p:txBody>
-          <a:bodyPr rtlCol="0" anchor="t"/>
-          <a:lstStyle/>
-          <a:p>
-            <a:r>
-              <a:rPr lang="en-US" altLang="ko-KR" sz="2400" dirty="0">
-                <a:latin typeface="HY헤드라인M" panose="02030600000101010101" pitchFamily="18" charset="-127"/>
-                <a:ea typeface="HY헤드라인M" panose="02030600000101010101" pitchFamily="18" charset="-127"/>
-              </a:rPr>
-              <a:t>	-	</a:t>
-            </a:r>
-            <a:r>
-              <a:rPr lang="ko-KR" altLang="en-US" sz="2400" dirty="0" err="1">
-                <a:latin typeface="HY헤드라인M" panose="02030600000101010101" pitchFamily="18" charset="-127"/>
-                <a:ea typeface="HY헤드라인M" panose="02030600000101010101" pitchFamily="18" charset="-127"/>
-              </a:rPr>
-              <a:t>인스턴싱</a:t>
-            </a:r>
-            <a:r>
-              <a:rPr lang="en-US" altLang="ko-KR" sz="2400" dirty="0">
-                <a:latin typeface="HY헤드라인M" panose="02030600000101010101" pitchFamily="18" charset="-127"/>
-                <a:ea typeface="HY헤드라인M" panose="02030600000101010101" pitchFamily="18" charset="-127"/>
-              </a:rPr>
-              <a:t>, </a:t>
-            </a:r>
-            <a:r>
-              <a:rPr lang="ko-KR" altLang="en-US" sz="2400" dirty="0" err="1">
-                <a:latin typeface="HY헤드라인M" panose="02030600000101010101" pitchFamily="18" charset="-127"/>
-                <a:ea typeface="HY헤드라인M" panose="02030600000101010101" pitchFamily="18" charset="-127"/>
-              </a:rPr>
-              <a:t>절두체</a:t>
-            </a:r>
-            <a:r>
-              <a:rPr lang="ko-KR" altLang="en-US" sz="2400" dirty="0">
-                <a:latin typeface="HY헤드라인M" panose="02030600000101010101" pitchFamily="18" charset="-127"/>
-                <a:ea typeface="HY헤드라인M" panose="02030600000101010101" pitchFamily="18" charset="-127"/>
-              </a:rPr>
-              <a:t> </a:t>
-            </a:r>
-            <a:r>
-              <a:rPr lang="ko-KR" altLang="en-US" sz="2400" dirty="0" err="1">
-                <a:latin typeface="HY헤드라인M" panose="02030600000101010101" pitchFamily="18" charset="-127"/>
-                <a:ea typeface="HY헤드라인M" panose="02030600000101010101" pitchFamily="18" charset="-127"/>
-              </a:rPr>
-              <a:t>컬링을</a:t>
-            </a:r>
-            <a:r>
-              <a:rPr lang="ko-KR" altLang="en-US" sz="2400" dirty="0">
-                <a:latin typeface="HY헤드라인M" panose="02030600000101010101" pitchFamily="18" charset="-127"/>
-                <a:ea typeface="HY헤드라인M" panose="02030600000101010101" pitchFamily="18" charset="-127"/>
-              </a:rPr>
-              <a:t> 통한 렌더링 최적화</a:t>
-            </a:r>
-            <a:endParaRPr lang="en-US" altLang="ko-KR" sz="2400" dirty="0">
-              <a:latin typeface="HY헤드라인M" panose="02030600000101010101" pitchFamily="18" charset="-127"/>
-              <a:ea typeface="HY헤드라인M" panose="02030600000101010101" pitchFamily="18" charset="-127"/>
-            </a:endParaRPr>
-          </a:p>
-          <a:p>
-            <a:endParaRPr lang="en-US" altLang="ko-KR" sz="2400" dirty="0">
-              <a:latin typeface="HY헤드라인M" panose="02030600000101010101" pitchFamily="18" charset="-127"/>
-              <a:ea typeface="HY헤드라인M" panose="02030600000101010101" pitchFamily="18" charset="-127"/>
-            </a:endParaRPr>
-          </a:p>
-          <a:p>
-            <a:r>
-              <a:rPr lang="en-US" altLang="ko-KR" sz="2400" dirty="0">
-                <a:latin typeface="HY헤드라인M" panose="02030600000101010101" pitchFamily="18" charset="-127"/>
-                <a:ea typeface="HY헤드라인M" panose="02030600000101010101" pitchFamily="18" charset="-127"/>
-              </a:rPr>
-              <a:t>	-	</a:t>
-            </a:r>
-            <a:r>
-              <a:rPr lang="ko-KR" altLang="en-US" sz="2400" dirty="0">
-                <a:latin typeface="HY헤드라인M" panose="02030600000101010101" pitchFamily="18" charset="-127"/>
-                <a:ea typeface="HY헤드라인M" panose="02030600000101010101" pitchFamily="18" charset="-127"/>
-              </a:rPr>
-              <a:t>기하 </a:t>
-            </a:r>
-            <a:r>
-              <a:rPr lang="ko-KR" altLang="en-US" sz="2400" dirty="0" err="1">
-                <a:latin typeface="HY헤드라인M" panose="02030600000101010101" pitchFamily="18" charset="-127"/>
-                <a:ea typeface="HY헤드라인M" panose="02030600000101010101" pitchFamily="18" charset="-127"/>
-              </a:rPr>
-              <a:t>쉐이더를</a:t>
-            </a:r>
-            <a:r>
-              <a:rPr lang="ko-KR" altLang="en-US" sz="2400" dirty="0">
-                <a:latin typeface="HY헤드라인M" panose="02030600000101010101" pitchFamily="18" charset="-127"/>
-                <a:ea typeface="HY헤드라인M" panose="02030600000101010101" pitchFamily="18" charset="-127"/>
-              </a:rPr>
-              <a:t> 이용한 연산 최소화</a:t>
-            </a:r>
-            <a:endParaRPr lang="en-US" altLang="ko-KR" sz="2400" dirty="0">
-              <a:latin typeface="HY헤드라인M" panose="02030600000101010101" pitchFamily="18" charset="-127"/>
-              <a:ea typeface="HY헤드라인M" panose="02030600000101010101" pitchFamily="18" charset="-127"/>
-            </a:endParaRPr>
-          </a:p>
-          <a:p>
-            <a:r>
-              <a:rPr lang="en-US" altLang="ko-KR" sz="2400" dirty="0">
-                <a:latin typeface="HY헤드라인M" panose="02030600000101010101" pitchFamily="18" charset="-127"/>
-                <a:ea typeface="HY헤드라인M" panose="02030600000101010101" pitchFamily="18" charset="-127"/>
-              </a:rPr>
-              <a:t>	</a:t>
-            </a:r>
-          </a:p>
-          <a:p>
-            <a:r>
-              <a:rPr lang="en-US" altLang="ko-KR" sz="2400" dirty="0">
-                <a:latin typeface="HY헤드라인M" panose="02030600000101010101" pitchFamily="18" charset="-127"/>
-                <a:ea typeface="HY헤드라인M" panose="02030600000101010101" pitchFamily="18" charset="-127"/>
-              </a:rPr>
-              <a:t>	- 	</a:t>
-            </a:r>
-            <a:r>
-              <a:rPr lang="ko-KR" altLang="en-US" sz="2400" dirty="0">
-                <a:latin typeface="HY헤드라인M" panose="02030600000101010101" pitchFamily="18" charset="-127"/>
-                <a:ea typeface="HY헤드라인M" panose="02030600000101010101" pitchFamily="18" charset="-127"/>
-              </a:rPr>
-              <a:t>포스트 프로세싱을 이용한 잔상 효과</a:t>
-            </a:r>
-            <a:endParaRPr lang="en-US" altLang="ko-KR" sz="2400" dirty="0">
-              <a:latin typeface="HY헤드라인M" panose="02030600000101010101" pitchFamily="18" charset="-127"/>
-              <a:ea typeface="HY헤드라인M" panose="02030600000101010101" pitchFamily="18" charset="-127"/>
-            </a:endParaRPr>
-          </a:p>
-          <a:p>
-            <a:endParaRPr lang="en-US" altLang="ko-KR" sz="2400" dirty="0">
-              <a:latin typeface="HY헤드라인M" panose="02030600000101010101" pitchFamily="18" charset="-127"/>
-              <a:ea typeface="HY헤드라인M" panose="02030600000101010101" pitchFamily="18" charset="-127"/>
-            </a:endParaRPr>
-          </a:p>
-          <a:p>
-            <a:r>
-              <a:rPr lang="en-US" altLang="ko-KR" sz="2400" dirty="0">
-                <a:latin typeface="HY헤드라인M" panose="02030600000101010101" pitchFamily="18" charset="-127"/>
-                <a:ea typeface="HY헤드라인M" panose="02030600000101010101" pitchFamily="18" charset="-127"/>
-              </a:rPr>
-              <a:t>	-	</a:t>
-            </a:r>
-            <a:r>
-              <a:rPr lang="ko-KR" altLang="en-US" sz="2400" dirty="0">
-                <a:latin typeface="HY헤드라인M" panose="02030600000101010101" pitchFamily="18" charset="-127"/>
-                <a:ea typeface="HY헤드라인M" panose="02030600000101010101" pitchFamily="18" charset="-127"/>
-              </a:rPr>
-              <a:t>물리적 모델링을 구현하여 카메라 설정</a:t>
-            </a:r>
-            <a:endParaRPr lang="en-US" altLang="ko-KR" sz="2400" dirty="0">
-              <a:latin typeface="HY헤드라인M" panose="02030600000101010101" pitchFamily="18" charset="-127"/>
-              <a:ea typeface="HY헤드라인M" panose="02030600000101010101" pitchFamily="18" charset="-127"/>
-            </a:endParaRPr>
-          </a:p>
-        </p:txBody>
-      </p:sp>
     </p:spTree>
     <p:extLst>
       <p:ext uri="{BB962C8B-B14F-4D97-AF65-F5344CB8AC3E}">
-        <p14:creationId xmlns:p14="http://schemas.microsoft.com/office/powerpoint/2010/main" val="3178028970"/>
+        <p14:creationId xmlns:p14="http://schemas.microsoft.com/office/powerpoint/2010/main" val="3831346396"/>
       </p:ext>
     </p:extLst>
   </p:cSld>
@@ -5854,7 +5819,7 @@
         <p:spPr>
           <a:xfrm>
             <a:off x="1924051" y="3175891"/>
-            <a:ext cx="8878420" cy="2032603"/>
+            <a:ext cx="8878420" cy="1697767"/>
           </a:xfrm>
           <a:prstGeom prst="rect">
             <a:avLst/>
@@ -5890,67 +5855,85 @@
           <a:bodyPr rtlCol="0" anchor="t"/>
           <a:lstStyle/>
           <a:p>
-            <a:endParaRPr lang="en-US" altLang="ko-KR" sz="2400" dirty="0">
+            <a:pPr algn="ctr"/>
+            <a:endParaRPr lang="en-US" altLang="ko-KR" sz="2000" dirty="0">
               <a:latin typeface="HY헤드라인M" panose="02030600000101010101" pitchFamily="18" charset="-127"/>
               <a:ea typeface="HY헤드라인M" panose="02030600000101010101" pitchFamily="18" charset="-127"/>
             </a:endParaRPr>
           </a:p>
           <a:p>
-            <a:r>
-              <a:rPr lang="en-US" altLang="ko-KR" sz="2400" dirty="0">
+            <a:pPr algn="ctr"/>
+            <a:r>
+              <a:rPr lang="en-US" altLang="ko-KR" sz="2000" dirty="0">
                 <a:latin typeface="HY헤드라인M" panose="02030600000101010101" pitchFamily="18" charset="-127"/>
                 <a:ea typeface="HY헤드라인M" panose="02030600000101010101" pitchFamily="18" charset="-127"/>
               </a:rPr>
-              <a:t>	-	IOCP</a:t>
-            </a:r>
-            <a:r>
-              <a:rPr lang="ko-KR" altLang="en-US" sz="2400" dirty="0">
+              <a:t>-	IOCP</a:t>
+            </a:r>
+            <a:r>
+              <a:rPr lang="ko-KR" altLang="en-US" sz="2000" dirty="0">
                 <a:latin typeface="HY헤드라인M" panose="02030600000101010101" pitchFamily="18" charset="-127"/>
                 <a:ea typeface="HY헤드라인M" panose="02030600000101010101" pitchFamily="18" charset="-127"/>
               </a:rPr>
-              <a:t>를 이용한 최대 </a:t>
-            </a:r>
-            <a:r>
-              <a:rPr lang="en-US" altLang="ko-KR" sz="2400" dirty="0">
+              <a:t>를 이용한 한 게임당 </a:t>
+            </a:r>
+            <a:r>
+              <a:rPr lang="en-US" altLang="ko-KR" sz="2000" dirty="0">
                 <a:latin typeface="HY헤드라인M" panose="02030600000101010101" pitchFamily="18" charset="-127"/>
                 <a:ea typeface="HY헤드라인M" panose="02030600000101010101" pitchFamily="18" charset="-127"/>
               </a:rPr>
-              <a:t>600</a:t>
-            </a:r>
-            <a:r>
-              <a:rPr lang="ko-KR" altLang="en-US" sz="2400" dirty="0">
+              <a:t>6</a:t>
+            </a:r>
+            <a:r>
+              <a:rPr lang="ko-KR" altLang="en-US" sz="2000" dirty="0">
                 <a:latin typeface="HY헤드라인M" panose="02030600000101010101" pitchFamily="18" charset="-127"/>
                 <a:ea typeface="HY헤드라인M" panose="02030600000101010101" pitchFamily="18" charset="-127"/>
               </a:rPr>
-              <a:t>개의 클라이언트 접속 유지</a:t>
-            </a:r>
-            <a:endParaRPr lang="en-US" altLang="ko-KR" sz="2400" dirty="0">
+              <a:t>명 최대 </a:t>
+            </a:r>
+            <a:r>
+              <a:rPr lang="en-US" altLang="ko-KR" sz="2000" dirty="0">
+                <a:latin typeface="HY헤드라인M" panose="02030600000101010101" pitchFamily="18" charset="-127"/>
+                <a:ea typeface="HY헤드라인M" panose="02030600000101010101" pitchFamily="18" charset="-127"/>
+              </a:rPr>
+              <a:t>600</a:t>
+            </a:r>
+            <a:r>
+              <a:rPr lang="ko-KR" altLang="en-US" sz="2000" dirty="0">
+                <a:latin typeface="HY헤드라인M" panose="02030600000101010101" pitchFamily="18" charset="-127"/>
+                <a:ea typeface="HY헤드라인M" panose="02030600000101010101" pitchFamily="18" charset="-127"/>
+              </a:rPr>
+              <a:t>명의 클라이언트 접속 유지</a:t>
+            </a:r>
+            <a:endParaRPr lang="en-US" altLang="ko-KR" sz="2000" dirty="0">
               <a:latin typeface="HY헤드라인M" panose="02030600000101010101" pitchFamily="18" charset="-127"/>
               <a:ea typeface="HY헤드라인M" panose="02030600000101010101" pitchFamily="18" charset="-127"/>
             </a:endParaRPr>
           </a:p>
           <a:p>
-            <a:endParaRPr lang="en-US" altLang="ko-KR" sz="2400" dirty="0">
+            <a:pPr algn="ctr"/>
+            <a:endParaRPr lang="en-US" altLang="ko-KR" sz="2000" dirty="0">
               <a:latin typeface="HY헤드라인M" panose="02030600000101010101" pitchFamily="18" charset="-127"/>
               <a:ea typeface="HY헤드라인M" panose="02030600000101010101" pitchFamily="18" charset="-127"/>
             </a:endParaRPr>
           </a:p>
           <a:p>
-            <a:r>
-              <a:rPr lang="en-US" altLang="ko-KR" sz="2400" dirty="0">
+            <a:pPr algn="ctr"/>
+            <a:r>
+              <a:rPr lang="en-US" altLang="ko-KR" sz="2000" dirty="0">
                 <a:latin typeface="HY헤드라인M" panose="02030600000101010101" pitchFamily="18" charset="-127"/>
                 <a:ea typeface="HY헤드라인M" panose="02030600000101010101" pitchFamily="18" charset="-127"/>
               </a:rPr>
-              <a:t>	-	DB</a:t>
-            </a:r>
-            <a:r>
-              <a:rPr lang="ko-KR" altLang="en-US" sz="2400" dirty="0">
+              <a:t>-	DB</a:t>
+            </a:r>
+            <a:r>
+              <a:rPr lang="ko-KR" altLang="en-US" sz="2000" dirty="0">
                 <a:latin typeface="HY헤드라인M" panose="02030600000101010101" pitchFamily="18" charset="-127"/>
                 <a:ea typeface="HY헤드라인M" panose="02030600000101010101" pitchFamily="18" charset="-127"/>
               </a:rPr>
               <a:t>를 이용한 계정 및 아이템 관리</a:t>
             </a:r>
-            <a:endParaRPr lang="en-US" altLang="ko-KR" sz="2400" dirty="0">
+            <a:endParaRPr lang="en-US" altLang="ko-KR" sz="2000" dirty="0">
               <a:latin typeface="HY헤드라인M" panose="02030600000101010101" pitchFamily="18" charset="-127"/>
               <a:ea typeface="HY헤드라인M" panose="02030600000101010101" pitchFamily="18" charset="-127"/>
             </a:endParaRPr>
@@ -19647,99 +19630,6 @@
       </p:grpSpPr>
       <p:sp>
         <p:nvSpPr>
-          <p:cNvPr id="11" name="TextBox 10">
-            <a:extLst>
-              <a:ext uri="{FF2B5EF4-FFF2-40B4-BE49-F238E27FC236}">
-                <a16:creationId xmlns:a16="http://schemas.microsoft.com/office/drawing/2014/main" id="{EB6AD26A-4D70-44CF-9FF8-6140CA5F6660}"/>
-              </a:ext>
-            </a:extLst>
-          </p:cNvPr>
-          <p:cNvSpPr txBox="1"/>
-          <p:nvPr/>
-        </p:nvSpPr>
-        <p:spPr>
-          <a:xfrm>
-            <a:off x="1419225" y="393221"/>
-            <a:ext cx="3895725" cy="646331"/>
-          </a:xfrm>
-          <a:prstGeom prst="rect">
-            <a:avLst/>
-          </a:prstGeom>
-          <a:noFill/>
-        </p:spPr>
-        <p:txBody>
-          <a:bodyPr wrap="square" rtlCol="0">
-            <a:spAutoFit/>
-          </a:bodyPr>
-          <a:lstStyle/>
-          <a:p>
-            <a:r>
-              <a:rPr lang="ko-KR" altLang="en-US" sz="3600" dirty="0">
-                <a:latin typeface="HY헤드라인M" panose="02030600000101010101" pitchFamily="18" charset="-127"/>
-                <a:ea typeface="HY헤드라인M" panose="02030600000101010101" pitchFamily="18" charset="-127"/>
-              </a:rPr>
-              <a:t>요약</a:t>
-            </a:r>
-            <a:endParaRPr lang="ko-KR" altLang="en-US" dirty="0"/>
-          </a:p>
-        </p:txBody>
-      </p:sp>
-      <p:sp>
-        <p:nvSpPr>
-          <p:cNvPr id="4" name="TextBox 3">
-            <a:extLst>
-              <a:ext uri="{FF2B5EF4-FFF2-40B4-BE49-F238E27FC236}">
-                <a16:creationId xmlns:a16="http://schemas.microsoft.com/office/drawing/2014/main" id="{47397AF1-39BD-4EC6-951C-8D31529EC635}"/>
-              </a:ext>
-            </a:extLst>
-          </p:cNvPr>
-          <p:cNvSpPr txBox="1"/>
-          <p:nvPr/>
-        </p:nvSpPr>
-        <p:spPr>
-          <a:xfrm>
-            <a:off x="642377" y="1386294"/>
-            <a:ext cx="11122398" cy="830997"/>
-          </a:xfrm>
-          <a:prstGeom prst="rect">
-            <a:avLst/>
-          </a:prstGeom>
-          <a:noFill/>
-        </p:spPr>
-        <p:txBody>
-          <a:bodyPr wrap="square" rtlCol="0">
-            <a:spAutoFit/>
-          </a:bodyPr>
-          <a:lstStyle/>
-          <a:p>
-            <a:pPr algn="ctr"/>
-            <a:r>
-              <a:rPr lang="en-US" altLang="ko-KR" sz="4800" dirty="0">
-                <a:latin typeface="HY헤드라인M" panose="02030600000101010101" pitchFamily="18" charset="-127"/>
-                <a:ea typeface="HY헤드라인M" panose="02030600000101010101" pitchFamily="18" charset="-127"/>
-              </a:rPr>
-              <a:t>"</a:t>
-            </a:r>
-            <a:r>
-              <a:rPr lang="ko-KR" altLang="en-US" sz="4800" dirty="0">
-                <a:latin typeface="HY헤드라인M" panose="02030600000101010101" pitchFamily="18" charset="-127"/>
-                <a:ea typeface="HY헤드라인M" panose="02030600000101010101" pitchFamily="18" charset="-127"/>
-              </a:rPr>
-              <a:t>질주 쾌감 공룡들의 한판승부</a:t>
-            </a:r>
-            <a:r>
-              <a:rPr lang="en-US" altLang="ko-KR" sz="4800" dirty="0">
-                <a:latin typeface="HY헤드라인M" panose="02030600000101010101" pitchFamily="18" charset="-127"/>
-                <a:ea typeface="HY헤드라인M" panose="02030600000101010101" pitchFamily="18" charset="-127"/>
-              </a:rPr>
-              <a:t>!"</a:t>
-            </a:r>
-            <a:endParaRPr lang="ko-KR" altLang="en-US" sz="4800" dirty="0"/>
-          </a:p>
-        </p:txBody>
-      </p:sp>
-      <p:sp>
-        <p:nvSpPr>
           <p:cNvPr id="2" name="직사각형 1">
             <a:extLst>
               <a:ext uri="{FF2B5EF4-FFF2-40B4-BE49-F238E27FC236}">
@@ -19792,6 +19682,156 @@
           <a:p>
             <a:pPr algn="ctr"/>
             <a:endParaRPr lang="ko-KR" altLang="en-US"/>
+          </a:p>
+        </p:txBody>
+      </p:sp>
+      <p:sp>
+        <p:nvSpPr>
+          <p:cNvPr id="5" name="직사각형 4">
+            <a:extLst>
+              <a:ext uri="{FF2B5EF4-FFF2-40B4-BE49-F238E27FC236}">
+                <a16:creationId xmlns:a16="http://schemas.microsoft.com/office/drawing/2014/main" id="{D831D1EA-DFBC-4D62-964D-DBC93A2E63D3}"/>
+              </a:ext>
+            </a:extLst>
+          </p:cNvPr>
+          <p:cNvSpPr/>
+          <p:nvPr/>
+        </p:nvSpPr>
+        <p:spPr>
+          <a:xfrm>
+            <a:off x="1253765" y="2217291"/>
+            <a:ext cx="9907571" cy="4383534"/>
+          </a:xfrm>
+          <a:prstGeom prst="rect">
+            <a:avLst/>
+          </a:prstGeom>
+          <a:blipFill>
+            <a:blip r:embed="rId3"/>
+            <a:stretch>
+              <a:fillRect/>
+            </a:stretch>
+          </a:blipFill>
+          <a:ln w="38100">
+            <a:solidFill>
+              <a:srgbClr val="D9D9D9"/>
+            </a:solidFill>
+          </a:ln>
+        </p:spPr>
+        <p:style>
+          <a:lnRef idx="2">
+            <a:schemeClr val="accent1">
+              <a:shade val="50000"/>
+            </a:schemeClr>
+          </a:lnRef>
+          <a:fillRef idx="1">
+            <a:schemeClr val="accent1"/>
+          </a:fillRef>
+          <a:effectRef idx="0">
+            <a:schemeClr val="accent1"/>
+          </a:effectRef>
+          <a:fontRef idx="minor">
+            <a:schemeClr val="lt1"/>
+          </a:fontRef>
+        </p:style>
+        <p:txBody>
+          <a:bodyPr rtlCol="0" anchor="ctr"/>
+          <a:lstStyle/>
+          <a:p>
+            <a:pPr algn="ctr"/>
+            <a:endParaRPr lang="ko-KR" altLang="en-US"/>
+          </a:p>
+        </p:txBody>
+      </p:sp>
+      <p:sp>
+        <p:nvSpPr>
+          <p:cNvPr id="11" name="TextBox 10">
+            <a:extLst>
+              <a:ext uri="{FF2B5EF4-FFF2-40B4-BE49-F238E27FC236}">
+                <a16:creationId xmlns:a16="http://schemas.microsoft.com/office/drawing/2014/main" id="{EB6AD26A-4D70-44CF-9FF8-6140CA5F6660}"/>
+              </a:ext>
+            </a:extLst>
+          </p:cNvPr>
+          <p:cNvSpPr txBox="1"/>
+          <p:nvPr/>
+        </p:nvSpPr>
+        <p:spPr>
+          <a:xfrm>
+            <a:off x="1419225" y="393221"/>
+            <a:ext cx="3895725" cy="646331"/>
+          </a:xfrm>
+          <a:prstGeom prst="rect">
+            <a:avLst/>
+          </a:prstGeom>
+          <a:noFill/>
+        </p:spPr>
+        <p:txBody>
+          <a:bodyPr wrap="square" rtlCol="0">
+            <a:spAutoFit/>
+          </a:bodyPr>
+          <a:lstStyle/>
+          <a:p>
+            <a:r>
+              <a:rPr lang="ko-KR" altLang="en-US" sz="3600" dirty="0">
+                <a:latin typeface="HY헤드라인M" panose="02030600000101010101" pitchFamily="18" charset="-127"/>
+                <a:ea typeface="HY헤드라인M" panose="02030600000101010101" pitchFamily="18" charset="-127"/>
+              </a:rPr>
+              <a:t>요약</a:t>
+            </a:r>
+            <a:endParaRPr lang="ko-KR" altLang="en-US" dirty="0"/>
+          </a:p>
+        </p:txBody>
+      </p:sp>
+      <p:sp>
+        <p:nvSpPr>
+          <p:cNvPr id="4" name="TextBox 3">
+            <a:extLst>
+              <a:ext uri="{FF2B5EF4-FFF2-40B4-BE49-F238E27FC236}">
+                <a16:creationId xmlns:a16="http://schemas.microsoft.com/office/drawing/2014/main" id="{47397AF1-39BD-4EC6-951C-8D31529EC635}"/>
+              </a:ext>
+            </a:extLst>
+          </p:cNvPr>
+          <p:cNvSpPr txBox="1"/>
+          <p:nvPr/>
+        </p:nvSpPr>
+        <p:spPr>
+          <a:xfrm>
+            <a:off x="642377" y="1386294"/>
+            <a:ext cx="11122398" cy="830997"/>
+          </a:xfrm>
+          <a:prstGeom prst="rect">
+            <a:avLst/>
+          </a:prstGeom>
+          <a:noFill/>
+        </p:spPr>
+        <p:txBody>
+          <a:bodyPr wrap="square" rtlCol="0">
+            <a:spAutoFit/>
+          </a:bodyPr>
+          <a:lstStyle/>
+          <a:p>
+            <a:pPr algn="ctr"/>
+            <a:r>
+              <a:rPr lang="en-US" altLang="ko-KR" sz="4800" dirty="0">
+                <a:latin typeface="HY헤드라인M" panose="02030600000101010101" pitchFamily="18" charset="-127"/>
+                <a:ea typeface="HY헤드라인M" panose="02030600000101010101" pitchFamily="18" charset="-127"/>
+              </a:rPr>
+              <a:t>"</a:t>
+            </a:r>
+            <a:r>
+              <a:rPr lang="ko-KR" altLang="en-US" sz="4800" dirty="0">
+                <a:latin typeface="HY헤드라인M" panose="02030600000101010101" pitchFamily="18" charset="-127"/>
+                <a:ea typeface="HY헤드라인M" panose="02030600000101010101" pitchFamily="18" charset="-127"/>
+              </a:rPr>
+              <a:t>질주 쾌감 공룡들의 한판승부</a:t>
+            </a:r>
+            <a:r>
+              <a:rPr lang="en-US" altLang="ko-KR" sz="4800" dirty="0">
+                <a:latin typeface="HY헤드라인M" panose="02030600000101010101" pitchFamily="18" charset="-127"/>
+                <a:ea typeface="HY헤드라인M" panose="02030600000101010101" pitchFamily="18" charset="-127"/>
+              </a:rPr>
+              <a:t>!"</a:t>
+            </a:r>
+            <a:endParaRPr lang="ko-KR" altLang="en-US" sz="4800" dirty="0"/>
           </a:p>
         </p:txBody>
       </p:sp>
@@ -21142,6 +21182,63 @@
           </a:prstGeom>
           <a:blipFill>
             <a:blip r:embed="rId3"/>
+            <a:stretch>
+              <a:fillRect/>
+            </a:stretch>
+          </a:blipFill>
+          <a:ln w="38100">
+            <a:solidFill>
+              <a:srgbClr val="D9D9D9"/>
+            </a:solidFill>
+          </a:ln>
+        </p:spPr>
+        <p:style>
+          <a:lnRef idx="2">
+            <a:schemeClr val="accent1">
+              <a:shade val="50000"/>
+            </a:schemeClr>
+          </a:lnRef>
+          <a:fillRef idx="1">
+            <a:schemeClr val="accent1"/>
+          </a:fillRef>
+          <a:effectRef idx="0">
+            <a:schemeClr val="accent1"/>
+          </a:effectRef>
+          <a:fontRef idx="minor">
+            <a:schemeClr val="lt1"/>
+          </a:fontRef>
+        </p:style>
+        <p:txBody>
+          <a:bodyPr rtlCol="0" anchor="ctr"/>
+          <a:lstStyle/>
+          <a:p>
+            <a:pPr algn="ctr"/>
+            <a:endParaRPr lang="ko-KR" altLang="en-US"/>
+          </a:p>
+        </p:txBody>
+      </p:sp>
+      <p:sp>
+        <p:nvSpPr>
+          <p:cNvPr id="16" name="직사각형 15">
+            <a:extLst>
+              <a:ext uri="{FF2B5EF4-FFF2-40B4-BE49-F238E27FC236}">
+                <a16:creationId xmlns:a16="http://schemas.microsoft.com/office/drawing/2014/main" id="{70FAC2A3-3DC5-40F1-9BF2-D4C87706FDC3}"/>
+              </a:ext>
+            </a:extLst>
+          </p:cNvPr>
+          <p:cNvSpPr/>
+          <p:nvPr/>
+        </p:nvSpPr>
+        <p:spPr>
+          <a:xfrm>
+            <a:off x="6638925" y="2024745"/>
+            <a:ext cx="5343525" cy="4210050"/>
+          </a:xfrm>
+          <a:prstGeom prst="rect">
+            <a:avLst/>
+          </a:prstGeom>
+          <a:blipFill>
+            <a:blip r:embed="rId4"/>
             <a:stretch>
               <a:fillRect/>
             </a:stretch>

--- a/기획단계/졸작 제안서_최종수정중.pptx
+++ b/기획단계/졸작 제안서_최종수정중.pptx
@@ -22085,10 +22085,10 @@
       </p:grpSpPr>
       <p:sp>
         <p:nvSpPr>
-          <p:cNvPr id="5" name="직사각형 4">
+          <p:cNvPr id="12" name="직사각형 11">
             <a:extLst>
               <a:ext uri="{FF2B5EF4-FFF2-40B4-BE49-F238E27FC236}">
-                <a16:creationId xmlns:a16="http://schemas.microsoft.com/office/drawing/2014/main" id="{D99CAFC8-5D70-4B56-B14E-9243AFFFDE22}"/>
+                <a16:creationId xmlns:a16="http://schemas.microsoft.com/office/drawing/2014/main" id="{8C563521-58BA-4079-87B9-36BB1B924B56}"/>
               </a:ext>
             </a:extLst>
           </p:cNvPr>
@@ -22097,8 +22097,8 @@
         </p:nvSpPr>
         <p:spPr>
           <a:xfrm>
-            <a:off x="1419225" y="1552575"/>
-            <a:ext cx="3895725" cy="2905125"/>
+            <a:off x="6494458" y="1542698"/>
+            <a:ext cx="4886325" cy="3391534"/>
           </a:xfrm>
           <a:prstGeom prst="rect">
             <a:avLst/>
@@ -22138,16 +22138,19 @@
           <a:lstStyle/>
           <a:p>
             <a:pPr algn="ctr"/>
-            <a:endParaRPr lang="ko-KR" altLang="en-US" dirty="0"/>
+            <a:r>
+              <a:rPr lang="ko-KR" altLang="en-US" dirty="0"/>
+              <a:t>예시 이미지</a:t>
+            </a:r>
           </a:p>
         </p:txBody>
       </p:sp>
       <p:sp>
         <p:nvSpPr>
-          <p:cNvPr id="13" name="직사각형 12">
+          <p:cNvPr id="5" name="직사각형 4">
             <a:extLst>
               <a:ext uri="{FF2B5EF4-FFF2-40B4-BE49-F238E27FC236}">
-                <a16:creationId xmlns:a16="http://schemas.microsoft.com/office/drawing/2014/main" id="{A8F51D2D-256A-48AD-87D6-6EC87AED631F}"/>
+                <a16:creationId xmlns:a16="http://schemas.microsoft.com/office/drawing/2014/main" id="{D99CAFC8-5D70-4B56-B14E-9243AFFFDE22}"/>
               </a:ext>
             </a:extLst>
           </p:cNvPr>
@@ -22156,18 +22159,23 @@
         </p:nvSpPr>
         <p:spPr>
           <a:xfrm>
-            <a:off x="2146315" y="4110086"/>
-            <a:ext cx="2441543" cy="207389"/>
+            <a:off x="811219" y="1542698"/>
+            <a:ext cx="4886325" cy="3380000"/>
           </a:xfrm>
           <a:prstGeom prst="rect">
             <a:avLst/>
           </a:prstGeom>
-          <a:solidFill>
-            <a:schemeClr val="bg2"/>
-          </a:solidFill>
-          <a:ln>
+          <a:blipFill>
+            <a:blip r:embed="rId3"/>
+            <a:stretch>
+              <a:fillRect/>
+            </a:stretch>
+          </a:blipFill>
+          <a:ln w="38100">
             <a:solidFill>
-              <a:srgbClr val="FFC000"/>
+              <a:schemeClr val="tx1">
+                <a:lumMod val="85000"/>
+              </a:schemeClr>
             </a:solidFill>
           </a:ln>
         </p:spPr>
@@ -22192,7 +22200,10 @@
           <a:lstStyle/>
           <a:p>
             <a:pPr algn="ctr"/>
-            <a:endParaRPr lang="ko-KR" altLang="en-US"/>
+            <a:r>
+              <a:rPr lang="ko-KR" altLang="en-US" dirty="0"/>
+              <a:t>예시 이미지</a:t>
+            </a:r>
           </a:p>
         </p:txBody>
       </p:sp>
@@ -22301,65 +22312,6 @@
       </p:sp>
       <p:sp>
         <p:nvSpPr>
-          <p:cNvPr id="12" name="직사각형 11">
-            <a:extLst>
-              <a:ext uri="{FF2B5EF4-FFF2-40B4-BE49-F238E27FC236}">
-                <a16:creationId xmlns:a16="http://schemas.microsoft.com/office/drawing/2014/main" id="{8C563521-58BA-4079-87B9-36BB1B924B56}"/>
-              </a:ext>
-            </a:extLst>
-          </p:cNvPr>
-          <p:cNvSpPr/>
-          <p:nvPr/>
-        </p:nvSpPr>
-        <p:spPr>
-          <a:xfrm>
-            <a:off x="6877050" y="1552575"/>
-            <a:ext cx="3895725" cy="2905125"/>
-          </a:xfrm>
-          <a:prstGeom prst="rect">
-            <a:avLst/>
-          </a:prstGeom>
-          <a:blipFill>
-            <a:blip r:embed="rId3"/>
-            <a:stretch>
-              <a:fillRect/>
-            </a:stretch>
-          </a:blipFill>
-          <a:ln w="38100">
-            <a:solidFill>
-              <a:schemeClr val="tx1">
-                <a:lumMod val="85000"/>
-              </a:schemeClr>
-            </a:solidFill>
-          </a:ln>
-        </p:spPr>
-        <p:style>
-          <a:lnRef idx="2">
-            <a:schemeClr val="accent1">
-              <a:shade val="50000"/>
-            </a:schemeClr>
-          </a:lnRef>
-          <a:fillRef idx="1">
-            <a:schemeClr val="accent1"/>
-          </a:fillRef>
-          <a:effectRef idx="0">
-            <a:schemeClr val="accent1"/>
-          </a:effectRef>
-          <a:fontRef idx="minor">
-            <a:schemeClr val="lt1"/>
-          </a:fontRef>
-        </p:style>
-        <p:txBody>
-          <a:bodyPr rtlCol="0" anchor="ctr"/>
-          <a:lstStyle/>
-          <a:p>
-            <a:pPr algn="ctr"/>
-            <a:endParaRPr lang="ko-KR" altLang="en-US" dirty="0"/>
-          </a:p>
-        </p:txBody>
-      </p:sp>
-      <p:sp>
-        <p:nvSpPr>
           <p:cNvPr id="21" name="직사각형 20">
             <a:extLst>
               <a:ext uri="{FF2B5EF4-FFF2-40B4-BE49-F238E27FC236}">
@@ -22372,7 +22324,7 @@
         </p:nvSpPr>
         <p:spPr>
           <a:xfrm>
-            <a:off x="1298099" y="5818448"/>
+            <a:off x="1298101" y="5996019"/>
             <a:ext cx="9353551" cy="646331"/>
           </a:xfrm>
           <a:prstGeom prst="rect">
@@ -22434,7 +22386,7 @@
         </p:nvSpPr>
         <p:spPr>
           <a:xfrm>
-            <a:off x="1298099" y="4925107"/>
+            <a:off x="1298101" y="5102678"/>
             <a:ext cx="9353551" cy="646331"/>
           </a:xfrm>
           <a:prstGeom prst="rect">
@@ -22479,164 +22431,6 @@
               <a:latin typeface="HY헤드라인M" panose="02030600000101010101" pitchFamily="18" charset="-127"/>
               <a:ea typeface="HY헤드라인M" panose="02030600000101010101" pitchFamily="18" charset="-127"/>
             </a:endParaRPr>
-          </a:p>
-        </p:txBody>
-      </p:sp>
-      <p:sp>
-        <p:nvSpPr>
-          <p:cNvPr id="2" name="직사각형 1">
-            <a:extLst>
-              <a:ext uri="{FF2B5EF4-FFF2-40B4-BE49-F238E27FC236}">
-                <a16:creationId xmlns:a16="http://schemas.microsoft.com/office/drawing/2014/main" id="{3342D9BC-6973-49B9-A9F5-5BB481158E13}"/>
-              </a:ext>
-            </a:extLst>
-          </p:cNvPr>
-          <p:cNvSpPr/>
-          <p:nvPr/>
-        </p:nvSpPr>
-        <p:spPr>
-          <a:xfrm>
-            <a:off x="2146315" y="4110086"/>
-            <a:ext cx="2216135" cy="207389"/>
-          </a:xfrm>
-          <a:prstGeom prst="rect">
-            <a:avLst/>
-          </a:prstGeom>
-          <a:solidFill>
-            <a:srgbClr val="FFC000"/>
-          </a:solidFill>
-          <a:ln>
-            <a:solidFill>
-              <a:srgbClr val="FFC000"/>
-            </a:solidFill>
-          </a:ln>
-        </p:spPr>
-        <p:style>
-          <a:lnRef idx="2">
-            <a:schemeClr val="accent1">
-              <a:shade val="50000"/>
-            </a:schemeClr>
-          </a:lnRef>
-          <a:fillRef idx="1">
-            <a:schemeClr val="accent1"/>
-          </a:fillRef>
-          <a:effectRef idx="0">
-            <a:schemeClr val="accent1"/>
-          </a:effectRef>
-          <a:fontRef idx="minor">
-            <a:schemeClr val="lt1"/>
-          </a:fontRef>
-        </p:style>
-        <p:txBody>
-          <a:bodyPr rtlCol="0" anchor="ctr"/>
-          <a:lstStyle/>
-          <a:p>
-            <a:pPr algn="ctr"/>
-            <a:endParaRPr lang="ko-KR" altLang="en-US"/>
-          </a:p>
-        </p:txBody>
-      </p:sp>
-      <p:sp>
-        <p:nvSpPr>
-          <p:cNvPr id="3" name="직사각형 2">
-            <a:extLst>
-              <a:ext uri="{FF2B5EF4-FFF2-40B4-BE49-F238E27FC236}">
-                <a16:creationId xmlns:a16="http://schemas.microsoft.com/office/drawing/2014/main" id="{765F4065-1ECA-4302-A153-B42FA0F81DAE}"/>
-              </a:ext>
-            </a:extLst>
-          </p:cNvPr>
-          <p:cNvSpPr/>
-          <p:nvPr/>
-        </p:nvSpPr>
-        <p:spPr>
-          <a:xfrm>
-            <a:off x="2146315" y="4110086"/>
-            <a:ext cx="238666" cy="207389"/>
-          </a:xfrm>
-          <a:prstGeom prst="rect">
-            <a:avLst/>
-          </a:prstGeom>
-          <a:blipFill>
-            <a:blip r:embed="rId4"/>
-            <a:stretch>
-              <a:fillRect/>
-            </a:stretch>
-          </a:blipFill>
-        </p:spPr>
-        <p:style>
-          <a:lnRef idx="2">
-            <a:schemeClr val="accent1">
-              <a:shade val="50000"/>
-            </a:schemeClr>
-          </a:lnRef>
-          <a:fillRef idx="1">
-            <a:schemeClr val="accent1"/>
-          </a:fillRef>
-          <a:effectRef idx="0">
-            <a:schemeClr val="accent1"/>
-          </a:effectRef>
-          <a:fontRef idx="minor">
-            <a:schemeClr val="lt1"/>
-          </a:fontRef>
-        </p:style>
-        <p:txBody>
-          <a:bodyPr rtlCol="0" anchor="ctr"/>
-          <a:lstStyle/>
-          <a:p>
-            <a:pPr algn="ctr"/>
-            <a:endParaRPr lang="ko-KR" altLang="en-US"/>
-          </a:p>
-        </p:txBody>
-      </p:sp>
-      <p:sp>
-        <p:nvSpPr>
-          <p:cNvPr id="14" name="직사각형 13">
-            <a:extLst>
-              <a:ext uri="{FF2B5EF4-FFF2-40B4-BE49-F238E27FC236}">
-                <a16:creationId xmlns:a16="http://schemas.microsoft.com/office/drawing/2014/main" id="{F4FAFAAE-7C4E-48D5-8EBD-CAABA70601C7}"/>
-              </a:ext>
-            </a:extLst>
-          </p:cNvPr>
-          <p:cNvSpPr/>
-          <p:nvPr/>
-        </p:nvSpPr>
-        <p:spPr>
-          <a:xfrm>
-            <a:off x="7042164" y="3998435"/>
-            <a:ext cx="368285" cy="319040"/>
-          </a:xfrm>
-          <a:prstGeom prst="rect">
-            <a:avLst/>
-          </a:prstGeom>
-          <a:blipFill>
-            <a:blip r:embed="rId5"/>
-            <a:stretch>
-              <a:fillRect/>
-            </a:stretch>
-          </a:blipFill>
-        </p:spPr>
-        <p:style>
-          <a:lnRef idx="2">
-            <a:schemeClr val="accent1">
-              <a:shade val="50000"/>
-            </a:schemeClr>
-          </a:lnRef>
-          <a:fillRef idx="1">
-            <a:schemeClr val="accent1"/>
-          </a:fillRef>
-          <a:effectRef idx="0">
-            <a:schemeClr val="accent1"/>
-          </a:effectRef>
-          <a:fontRef idx="minor">
-            <a:schemeClr val="lt1"/>
-          </a:fontRef>
-        </p:style>
-        <p:txBody>
-          <a:bodyPr rtlCol="0" anchor="ctr"/>
-          <a:lstStyle/>
-          <a:p>
-            <a:pPr algn="ctr"/>
-            <a:endParaRPr lang="ko-KR" altLang="en-US"/>
           </a:p>
         </p:txBody>
       </p:sp>

--- a/기획단계/졸작 제안서_최종수정중.pptx
+++ b/기획단계/졸작 제안서_최종수정중.pptx
@@ -5426,7 +5426,7 @@
                 <a:latin typeface="HY헤드라인M" panose="02030600000101010101" pitchFamily="18" charset="-127"/>
                 <a:ea typeface="HY헤드라인M" panose="02030600000101010101" pitchFamily="18" charset="-127"/>
               </a:rPr>
-              <a:t>물리적 모델링을 구현하여 카메라 설정</a:t>
+              <a:t>진동의 모델링을 구현하여 카메라 설정</a:t>
             </a:r>
             <a:endParaRPr lang="en-US" altLang="ko-KR" sz="2000" dirty="0">
               <a:latin typeface="HY헤드라인M" panose="02030600000101010101" pitchFamily="18" charset="-127"/>
@@ -6242,7 +6242,7 @@
                 <a:latin typeface="HY헤드라인M" panose="02030600000101010101" pitchFamily="18" charset="-127"/>
                 <a:ea typeface="HY헤드라인M" panose="02030600000101010101" pitchFamily="18" charset="-127"/>
               </a:rPr>
-              <a:t>셰이더</a:t>
+              <a:t>쉐이더</a:t>
             </a:r>
             <a:r>
               <a:rPr lang="ko-KR" altLang="en-US" sz="1600" dirty="0">
@@ -6528,7 +6528,7 @@
                 <a:latin typeface="HY헤드라인M" panose="02030600000101010101" pitchFamily="18" charset="-127"/>
                 <a:ea typeface="HY헤드라인M" panose="02030600000101010101" pitchFamily="18" charset="-127"/>
               </a:rPr>
-              <a:t>셰이더</a:t>
+              <a:t>쉐이더</a:t>
             </a:r>
             <a:r>
               <a:rPr lang="ko-KR" altLang="en-US" sz="1600" dirty="0">
@@ -7275,7 +7275,7 @@
                 <a:latin typeface="HY헤드라인M" panose="02030600000101010101" pitchFamily="18" charset="-127"/>
                 <a:ea typeface="HY헤드라인M" panose="02030600000101010101" pitchFamily="18" charset="-127"/>
               </a:rPr>
-              <a:t>물리적 모델링을 구현한 카메라의 이동</a:t>
+              <a:t>진동의 모델링을 구현한 카메라의 이동</a:t>
             </a:r>
             <a:endParaRPr lang="en-US" altLang="ko-KR" sz="2000" dirty="0">
               <a:latin typeface="HY헤드라인M" panose="02030600000101010101" pitchFamily="18" charset="-127"/>
@@ -22363,7 +22363,7 @@
                 <a:latin typeface="HY헤드라인M" panose="02030600000101010101" pitchFamily="18" charset="-127"/>
                 <a:ea typeface="HY헤드라인M" panose="02030600000101010101" pitchFamily="18" charset="-127"/>
               </a:rPr>
-              <a:t>아이템 사용으로 다른 플레이어와 상호작용이 가능한 아이템 전</a:t>
+              <a:t>아이템 사용으로 다른 플레이어와 실시간 상호작용이 가능한 아이템 전</a:t>
             </a:r>
             <a:endParaRPr lang="en-US" altLang="ko-KR" dirty="0">
               <a:latin typeface="HY헤드라인M" panose="02030600000101010101" pitchFamily="18" charset="-127"/>
@@ -22425,7 +22425,7 @@
                 <a:latin typeface="HY헤드라인M" panose="02030600000101010101" pitchFamily="18" charset="-127"/>
                 <a:ea typeface="HY헤드라인M" panose="02030600000101010101" pitchFamily="18" charset="-127"/>
               </a:rPr>
-              <a:t>배고픔에 따른 공룡의 속도 변화를 이용해 경쟁하는 스피드 전</a:t>
+              <a:t>배고픔에 따른 공룡의 실시간 속도 변화를 이용해 경쟁하는 스피드 전</a:t>
             </a:r>
             <a:endParaRPr lang="en-US" altLang="ko-KR" dirty="0">
               <a:latin typeface="HY헤드라인M" panose="02030600000101010101" pitchFamily="18" charset="-127"/>

--- a/기획단계/졸작 제안서_최종수정중.pptx
+++ b/기획단계/졸작 제안서_최종수정중.pptx
@@ -19,7 +19,8 @@
     <p:sldId id="264" r:id="rId13"/>
     <p:sldId id="265" r:id="rId14"/>
     <p:sldId id="270" r:id="rId15"/>
-    <p:sldId id="271" r:id="rId16"/>
+    <p:sldId id="278" r:id="rId16"/>
+    <p:sldId id="271" r:id="rId17"/>
   </p:sldIdLst>
   <p:sldSz cx="12192000" cy="6858000"/>
   <p:notesSz cx="6858000" cy="9144000"/>
@@ -8258,6 +8259,693 @@
           <a:bodyPr rtlCol="0" anchor="ctr"/>
           <a:lstStyle/>
           <a:p>
+            <a:pPr marL="0" marR="0" lvl="0" indent="0" algn="ctr" defTabSz="457200" rtl="0" eaLnBrk="1" fontAlgn="auto" latinLnBrk="0" hangingPunct="1">
+              <a:lnSpc>
+                <a:spcPct val="100000"/>
+              </a:lnSpc>
+              <a:spcBef>
+                <a:spcPts val="0"/>
+              </a:spcBef>
+              <a:spcAft>
+                <a:spcPts val="0"/>
+              </a:spcAft>
+              <a:buClrTx/>
+              <a:buSzTx/>
+              <a:buFontTx/>
+              <a:buNone/>
+              <a:tabLst/>
+              <a:defRPr/>
+            </a:pPr>
+            <a:r>
+              <a:rPr kumimoji="0" lang="en-US" altLang="ko-KR" sz="5400" b="0" i="0" u="none" strike="noStrike" kern="1200" cap="none" spc="0" normalizeH="0" baseline="0" noProof="0" dirty="0">
+                <a:ln>
+                  <a:noFill/>
+                </a:ln>
+                <a:solidFill>
+                  <a:srgbClr val="FFFFFF"/>
+                </a:solidFill>
+                <a:effectLst/>
+                <a:uLnTx/>
+                <a:uFillTx/>
+                <a:latin typeface="HY헤드라인M" panose="02030600000101010101" pitchFamily="18" charset="-127"/>
+                <a:ea typeface="HY헤드라인M" panose="02030600000101010101" pitchFamily="18" charset="-127"/>
+                <a:cs typeface="+mn-cs"/>
+              </a:rPr>
+              <a:t>7</a:t>
+            </a:r>
+            <a:endParaRPr kumimoji="0" lang="ko-KR" altLang="en-US" sz="5400" b="0" i="0" u="none" strike="noStrike" kern="1200" cap="none" spc="0" normalizeH="0" baseline="0" noProof="0" dirty="0">
+              <a:ln>
+                <a:noFill/>
+              </a:ln>
+              <a:solidFill>
+                <a:srgbClr val="FFFFFF"/>
+              </a:solidFill>
+              <a:effectLst/>
+              <a:uLnTx/>
+              <a:uFillTx/>
+              <a:latin typeface="HY헤드라인M" panose="02030600000101010101" pitchFamily="18" charset="-127"/>
+              <a:ea typeface="HY헤드라인M" panose="02030600000101010101" pitchFamily="18" charset="-127"/>
+              <a:cs typeface="+mn-cs"/>
+            </a:endParaRPr>
+          </a:p>
+        </p:txBody>
+      </p:sp>
+      <p:sp>
+        <p:nvSpPr>
+          <p:cNvPr id="11" name="TextBox 10">
+            <a:extLst>
+              <a:ext uri="{FF2B5EF4-FFF2-40B4-BE49-F238E27FC236}">
+                <a16:creationId xmlns:a16="http://schemas.microsoft.com/office/drawing/2014/main" id="{EB6AD26A-4D70-44CF-9FF8-6140CA5F6660}"/>
+              </a:ext>
+            </a:extLst>
+          </p:cNvPr>
+          <p:cNvSpPr txBox="1"/>
+          <p:nvPr/>
+        </p:nvSpPr>
+        <p:spPr>
+          <a:xfrm>
+            <a:off x="1419225" y="393221"/>
+            <a:ext cx="6838950" cy="646331"/>
+          </a:xfrm>
+          <a:prstGeom prst="rect">
+            <a:avLst/>
+          </a:prstGeom>
+          <a:noFill/>
+        </p:spPr>
+        <p:txBody>
+          <a:bodyPr wrap="square" rtlCol="0">
+            <a:spAutoFit/>
+          </a:bodyPr>
+          <a:lstStyle/>
+          <a:p>
+            <a:pPr marL="0" marR="0" lvl="0" indent="0" algn="l" defTabSz="457200" rtl="0" eaLnBrk="1" fontAlgn="auto" latinLnBrk="0" hangingPunct="1">
+              <a:lnSpc>
+                <a:spcPct val="100000"/>
+              </a:lnSpc>
+              <a:spcBef>
+                <a:spcPts val="0"/>
+              </a:spcBef>
+              <a:spcAft>
+                <a:spcPts val="0"/>
+              </a:spcAft>
+              <a:buClrTx/>
+              <a:buSzTx/>
+              <a:buFontTx/>
+              <a:buNone/>
+              <a:tabLst/>
+              <a:defRPr/>
+            </a:pPr>
+            <a:r>
+              <a:rPr kumimoji="0" lang="ko-KR" altLang="en-US" sz="3600" b="0" i="0" u="none" strike="noStrike" kern="1200" cap="none" spc="0" normalizeH="0" baseline="0" noProof="0" dirty="0">
+                <a:ln>
+                  <a:noFill/>
+                </a:ln>
+                <a:solidFill>
+                  <a:srgbClr val="FFFFFF"/>
+                </a:solidFill>
+                <a:effectLst/>
+                <a:uLnTx/>
+                <a:uFillTx/>
+                <a:latin typeface="HY헤드라인M" panose="02030600000101010101" pitchFamily="18" charset="-127"/>
+                <a:ea typeface="HY헤드라인M" panose="02030600000101010101" pitchFamily="18" charset="-127"/>
+                <a:cs typeface="+mn-cs"/>
+              </a:rPr>
+              <a:t>타 게임과의 비교</a:t>
+            </a:r>
+            <a:endParaRPr kumimoji="0" lang="ko-KR" altLang="en-US" sz="1800" b="0" i="0" u="none" strike="noStrike" kern="1200" cap="none" spc="0" normalizeH="0" baseline="0" noProof="0" dirty="0">
+              <a:ln>
+                <a:noFill/>
+              </a:ln>
+              <a:solidFill>
+                <a:srgbClr val="FFFFFF"/>
+              </a:solidFill>
+              <a:effectLst/>
+              <a:uLnTx/>
+              <a:uFillTx/>
+              <a:latin typeface="Century Schoolbook" panose="02040604050505020304"/>
+              <a:ea typeface="맑은 고딕" panose="020B0503020000020004" pitchFamily="50" charset="-127"/>
+              <a:cs typeface="+mn-cs"/>
+            </a:endParaRPr>
+          </a:p>
+        </p:txBody>
+      </p:sp>
+      <p:sp>
+        <p:nvSpPr>
+          <p:cNvPr id="5" name="직사각형 4">
+            <a:extLst>
+              <a:ext uri="{FF2B5EF4-FFF2-40B4-BE49-F238E27FC236}">
+                <a16:creationId xmlns:a16="http://schemas.microsoft.com/office/drawing/2014/main" id="{4B69FDC5-C5E3-44AF-ACF8-6EE7E38D3D18}"/>
+              </a:ext>
+            </a:extLst>
+          </p:cNvPr>
+          <p:cNvSpPr/>
+          <p:nvPr/>
+        </p:nvSpPr>
+        <p:spPr>
+          <a:xfrm>
+            <a:off x="1214717" y="4389861"/>
+            <a:ext cx="9201901" cy="1454758"/>
+          </a:xfrm>
+          <a:prstGeom prst="rect">
+            <a:avLst/>
+          </a:prstGeom>
+          <a:solidFill>
+            <a:srgbClr val="595959"/>
+          </a:solidFill>
+          <a:ln w="38100">
+            <a:solidFill>
+              <a:schemeClr val="tx1">
+                <a:lumMod val="85000"/>
+              </a:schemeClr>
+            </a:solidFill>
+          </a:ln>
+        </p:spPr>
+        <p:style>
+          <a:lnRef idx="2">
+            <a:schemeClr val="accent1">
+              <a:shade val="50000"/>
+            </a:schemeClr>
+          </a:lnRef>
+          <a:fillRef idx="1">
+            <a:schemeClr val="accent1"/>
+          </a:fillRef>
+          <a:effectRef idx="0">
+            <a:schemeClr val="accent1"/>
+          </a:effectRef>
+          <a:fontRef idx="minor">
+            <a:schemeClr val="lt1"/>
+          </a:fontRef>
+        </p:style>
+        <p:txBody>
+          <a:bodyPr rtlCol="0" anchor="t"/>
+          <a:lstStyle/>
+          <a:p>
+            <a:pPr marL="0" marR="0" lvl="0" indent="0" algn="ctr" defTabSz="457200" rtl="0" eaLnBrk="1" fontAlgn="auto" latinLnBrk="0" hangingPunct="1">
+              <a:lnSpc>
+                <a:spcPct val="100000"/>
+              </a:lnSpc>
+              <a:spcBef>
+                <a:spcPts val="0"/>
+              </a:spcBef>
+              <a:spcAft>
+                <a:spcPts val="0"/>
+              </a:spcAft>
+              <a:buClrTx/>
+              <a:buSzTx/>
+              <a:buFontTx/>
+              <a:buNone/>
+              <a:tabLst/>
+              <a:defRPr/>
+            </a:pPr>
+            <a:r>
+              <a:rPr kumimoji="0" lang="ko-KR" altLang="en-US" sz="1600" b="0" i="0" u="none" strike="noStrike" kern="1200" cap="none" spc="0" normalizeH="0" baseline="0" noProof="0" dirty="0" err="1">
+                <a:ln>
+                  <a:noFill/>
+                </a:ln>
+                <a:solidFill>
+                  <a:srgbClr val="FFFFFF"/>
+                </a:solidFill>
+                <a:effectLst/>
+                <a:uLnTx/>
+                <a:uFillTx/>
+                <a:latin typeface="HY헤드라인M" panose="02030600000101010101" pitchFamily="18" charset="-127"/>
+                <a:ea typeface="HY헤드라인M" panose="02030600000101010101" pitchFamily="18" charset="-127"/>
+                <a:cs typeface="+mn-cs"/>
+              </a:rPr>
+              <a:t>어렷을</a:t>
+            </a:r>
+            <a:r>
+              <a:rPr kumimoji="0" lang="ko-KR" altLang="en-US" sz="1600" b="0" i="0" u="none" strike="noStrike" kern="1200" cap="none" spc="0" normalizeH="0" baseline="0" noProof="0" dirty="0">
+                <a:ln>
+                  <a:noFill/>
+                </a:ln>
+                <a:solidFill>
+                  <a:srgbClr val="FFFFFF"/>
+                </a:solidFill>
+                <a:effectLst/>
+                <a:uLnTx/>
+                <a:uFillTx/>
+                <a:latin typeface="HY헤드라인M" panose="02030600000101010101" pitchFamily="18" charset="-127"/>
+                <a:ea typeface="HY헤드라인M" panose="02030600000101010101" pitchFamily="18" charset="-127"/>
+                <a:cs typeface="+mn-cs"/>
+              </a:rPr>
+              <a:t> 때 </a:t>
+            </a:r>
+            <a:r>
+              <a:rPr lang="ko-KR" altLang="en-US" sz="1600" dirty="0">
+                <a:solidFill>
+                  <a:srgbClr val="FFFFFF"/>
+                </a:solidFill>
+                <a:latin typeface="HY헤드라인M" panose="02030600000101010101" pitchFamily="18" charset="-127"/>
+                <a:ea typeface="HY헤드라인M" panose="02030600000101010101" pitchFamily="18" charset="-127"/>
+              </a:rPr>
+              <a:t>관심을 갖던 </a:t>
+            </a:r>
+            <a:r>
+              <a:rPr kumimoji="0" lang="ko-KR" altLang="en-US" sz="1600" b="0" i="0" u="none" strike="noStrike" kern="1200" cap="none" spc="0" normalizeH="0" baseline="0" noProof="0" dirty="0">
+                <a:ln>
+                  <a:noFill/>
+                </a:ln>
+                <a:solidFill>
+                  <a:srgbClr val="FFFFFF"/>
+                </a:solidFill>
+                <a:effectLst/>
+                <a:uLnTx/>
+                <a:uFillTx/>
+                <a:latin typeface="HY헤드라인M" panose="02030600000101010101" pitchFamily="18" charset="-127"/>
+                <a:ea typeface="HY헤드라인M" panose="02030600000101010101" pitchFamily="18" charset="-127"/>
+                <a:cs typeface="+mn-cs"/>
+              </a:rPr>
+              <a:t>공룡을 모델로 </a:t>
+            </a:r>
+            <a:r>
+              <a:rPr kumimoji="0" lang="ko-KR" altLang="en-US" sz="1600" b="0" i="0" u="none" strike="noStrike" kern="1200" cap="none" spc="0" normalizeH="0" baseline="0" noProof="0">
+                <a:ln>
+                  <a:noFill/>
+                </a:ln>
+                <a:solidFill>
+                  <a:srgbClr val="FFFFFF"/>
+                </a:solidFill>
+                <a:effectLst/>
+                <a:uLnTx/>
+                <a:uFillTx/>
+                <a:latin typeface="HY헤드라인M" panose="02030600000101010101" pitchFamily="18" charset="-127"/>
+                <a:ea typeface="HY헤드라인M" panose="02030600000101010101" pitchFamily="18" charset="-127"/>
+                <a:cs typeface="+mn-cs"/>
+              </a:rPr>
+              <a:t>삼아 친근감 형성</a:t>
+            </a:r>
+            <a:endParaRPr kumimoji="0" lang="en-US" altLang="ko-KR" sz="1600" b="0" i="0" u="none" strike="noStrike" kern="1200" cap="none" spc="0" normalizeH="0" baseline="0" noProof="0" dirty="0">
+              <a:ln>
+                <a:noFill/>
+              </a:ln>
+              <a:solidFill>
+                <a:srgbClr val="FFFFFF"/>
+              </a:solidFill>
+              <a:effectLst/>
+              <a:uLnTx/>
+              <a:uFillTx/>
+              <a:latin typeface="HY헤드라인M" panose="02030600000101010101" pitchFamily="18" charset="-127"/>
+              <a:ea typeface="HY헤드라인M" panose="02030600000101010101" pitchFamily="18" charset="-127"/>
+              <a:cs typeface="+mn-cs"/>
+            </a:endParaRPr>
+          </a:p>
+        </p:txBody>
+      </p:sp>
+      <p:sp>
+        <p:nvSpPr>
+          <p:cNvPr id="7" name="TextBox 6">
+            <a:extLst>
+              <a:ext uri="{FF2B5EF4-FFF2-40B4-BE49-F238E27FC236}">
+                <a16:creationId xmlns:a16="http://schemas.microsoft.com/office/drawing/2014/main" id="{08AA237F-F944-4834-AD59-A9BB6D807A8A}"/>
+              </a:ext>
+            </a:extLst>
+          </p:cNvPr>
+          <p:cNvSpPr txBox="1"/>
+          <p:nvPr/>
+        </p:nvSpPr>
+        <p:spPr>
+          <a:xfrm>
+            <a:off x="668101" y="4053879"/>
+            <a:ext cx="2317146" cy="307777"/>
+          </a:xfrm>
+          <a:prstGeom prst="rect">
+            <a:avLst/>
+          </a:prstGeom>
+          <a:noFill/>
+        </p:spPr>
+        <p:txBody>
+          <a:bodyPr wrap="square" rtlCol="0">
+            <a:spAutoFit/>
+          </a:bodyPr>
+          <a:lstStyle/>
+          <a:p>
+            <a:pPr marL="0" marR="0" lvl="0" indent="0" algn="l" defTabSz="457200" rtl="0" eaLnBrk="1" fontAlgn="auto" latinLnBrk="0" hangingPunct="1">
+              <a:lnSpc>
+                <a:spcPct val="100000"/>
+              </a:lnSpc>
+              <a:spcBef>
+                <a:spcPts val="0"/>
+              </a:spcBef>
+              <a:spcAft>
+                <a:spcPts val="0"/>
+              </a:spcAft>
+              <a:buClrTx/>
+              <a:buSzTx/>
+              <a:buFontTx/>
+              <a:buNone/>
+              <a:tabLst/>
+              <a:defRPr/>
+            </a:pPr>
+            <a:r>
+              <a:rPr kumimoji="0" lang="ko-KR" altLang="en-US" sz="1400" b="0" i="0" u="none" strike="noStrike" kern="1200" cap="none" spc="0" normalizeH="0" baseline="0" noProof="0" dirty="0">
+                <a:ln>
+                  <a:noFill/>
+                </a:ln>
+                <a:solidFill>
+                  <a:srgbClr val="FFFFFF"/>
+                </a:solidFill>
+                <a:effectLst/>
+                <a:uLnTx/>
+                <a:uFillTx/>
+                <a:latin typeface="HY헤드라인M" panose="02030600000101010101" pitchFamily="18" charset="-127"/>
+                <a:ea typeface="HY헤드라인M" panose="02030600000101010101" pitchFamily="18" charset="-127"/>
+                <a:cs typeface="+mn-cs"/>
+              </a:rPr>
+              <a:t>여러가지 레이싱 게임 비교</a:t>
+            </a:r>
+            <a:endParaRPr kumimoji="0" lang="ko-KR" altLang="en-US" sz="1400" b="0" i="0" u="none" strike="noStrike" kern="1200" cap="none" spc="0" normalizeH="0" baseline="0" noProof="0" dirty="0">
+              <a:ln>
+                <a:noFill/>
+              </a:ln>
+              <a:solidFill>
+                <a:srgbClr val="FFFFFF"/>
+              </a:solidFill>
+              <a:effectLst/>
+              <a:uLnTx/>
+              <a:uFillTx/>
+              <a:latin typeface="Century Schoolbook" panose="02040604050505020304"/>
+              <a:ea typeface="맑은 고딕" panose="020B0503020000020004" pitchFamily="50" charset="-127"/>
+              <a:cs typeface="+mn-cs"/>
+            </a:endParaRPr>
+          </a:p>
+        </p:txBody>
+      </p:sp>
+      <p:sp>
+        <p:nvSpPr>
+          <p:cNvPr id="8" name="TextBox 7">
+            <a:extLst>
+              <a:ext uri="{FF2B5EF4-FFF2-40B4-BE49-F238E27FC236}">
+                <a16:creationId xmlns:a16="http://schemas.microsoft.com/office/drawing/2014/main" id="{7732BE12-04EB-440F-BDC3-B718E56046B8}"/>
+              </a:ext>
+            </a:extLst>
+          </p:cNvPr>
+          <p:cNvSpPr txBox="1"/>
+          <p:nvPr/>
+        </p:nvSpPr>
+        <p:spPr>
+          <a:xfrm>
+            <a:off x="668100" y="1335738"/>
+            <a:ext cx="3321193" cy="307777"/>
+          </a:xfrm>
+          <a:prstGeom prst="rect">
+            <a:avLst/>
+          </a:prstGeom>
+          <a:noFill/>
+        </p:spPr>
+        <p:txBody>
+          <a:bodyPr wrap="square" rtlCol="0">
+            <a:spAutoFit/>
+          </a:bodyPr>
+          <a:lstStyle/>
+          <a:p>
+            <a:pPr marL="0" marR="0" lvl="0" indent="0" algn="l" defTabSz="457200" rtl="0" eaLnBrk="1" fontAlgn="auto" latinLnBrk="0" hangingPunct="1">
+              <a:lnSpc>
+                <a:spcPct val="100000"/>
+              </a:lnSpc>
+              <a:spcBef>
+                <a:spcPts val="0"/>
+              </a:spcBef>
+              <a:spcAft>
+                <a:spcPts val="0"/>
+              </a:spcAft>
+              <a:buClrTx/>
+              <a:buSzTx/>
+              <a:buFontTx/>
+              <a:buNone/>
+              <a:tabLst/>
+              <a:defRPr/>
+            </a:pPr>
+            <a:r>
+              <a:rPr kumimoji="0" lang="ko-KR" altLang="en-US" sz="1400" b="0" i="0" u="none" strike="noStrike" kern="1200" cap="none" spc="0" normalizeH="0" baseline="0" noProof="0" dirty="0">
+                <a:ln>
+                  <a:noFill/>
+                </a:ln>
+                <a:solidFill>
+                  <a:srgbClr val="FFFFFF"/>
+                </a:solidFill>
+                <a:effectLst/>
+                <a:uLnTx/>
+                <a:uFillTx/>
+                <a:latin typeface="HY헤드라인M" panose="02030600000101010101" pitchFamily="18" charset="-127"/>
+                <a:ea typeface="HY헤드라인M" panose="02030600000101010101" pitchFamily="18" charset="-127"/>
+                <a:cs typeface="+mn-cs"/>
+              </a:rPr>
+              <a:t>대표적 캐주얼 게임 카트라이더와 비교</a:t>
+            </a:r>
+            <a:endParaRPr kumimoji="0" lang="ko-KR" altLang="en-US" sz="1400" b="0" i="0" u="none" strike="noStrike" kern="1200" cap="none" spc="0" normalizeH="0" baseline="0" noProof="0" dirty="0">
+              <a:ln>
+                <a:noFill/>
+              </a:ln>
+              <a:solidFill>
+                <a:srgbClr val="FFFFFF"/>
+              </a:solidFill>
+              <a:effectLst/>
+              <a:uLnTx/>
+              <a:uFillTx/>
+              <a:latin typeface="Century Schoolbook" panose="02040604050505020304"/>
+              <a:ea typeface="맑은 고딕" panose="020B0503020000020004" pitchFamily="50" charset="-127"/>
+              <a:cs typeface="+mn-cs"/>
+            </a:endParaRPr>
+          </a:p>
+        </p:txBody>
+      </p:sp>
+      <p:sp>
+        <p:nvSpPr>
+          <p:cNvPr id="10" name="직사각형 9">
+            <a:extLst>
+              <a:ext uri="{FF2B5EF4-FFF2-40B4-BE49-F238E27FC236}">
+                <a16:creationId xmlns:a16="http://schemas.microsoft.com/office/drawing/2014/main" id="{E1D76625-EE7A-45D2-AD39-4A4EEBDD362D}"/>
+              </a:ext>
+            </a:extLst>
+          </p:cNvPr>
+          <p:cNvSpPr/>
+          <p:nvPr/>
+        </p:nvSpPr>
+        <p:spPr>
+          <a:xfrm>
+            <a:off x="1214718" y="1775900"/>
+            <a:ext cx="9201900" cy="1454758"/>
+          </a:xfrm>
+          <a:prstGeom prst="rect">
+            <a:avLst/>
+          </a:prstGeom>
+          <a:solidFill>
+            <a:srgbClr val="595959"/>
+          </a:solidFill>
+          <a:ln w="38100">
+            <a:solidFill>
+              <a:schemeClr val="tx1">
+                <a:lumMod val="85000"/>
+              </a:schemeClr>
+            </a:solidFill>
+          </a:ln>
+        </p:spPr>
+        <p:style>
+          <a:lnRef idx="2">
+            <a:schemeClr val="accent1">
+              <a:shade val="50000"/>
+            </a:schemeClr>
+          </a:lnRef>
+          <a:fillRef idx="1">
+            <a:schemeClr val="accent1"/>
+          </a:fillRef>
+          <a:effectRef idx="0">
+            <a:schemeClr val="accent1"/>
+          </a:effectRef>
+          <a:fontRef idx="minor">
+            <a:schemeClr val="lt1"/>
+          </a:fontRef>
+        </p:style>
+        <p:txBody>
+          <a:bodyPr rtlCol="0" anchor="t"/>
+          <a:lstStyle/>
+          <a:p>
+            <a:pPr lvl="0" algn="ctr"/>
+            <a:endParaRPr kumimoji="0" lang="en-US" altLang="ko-KR" sz="1600" b="0" i="0" u="none" strike="noStrike" kern="1200" cap="none" spc="0" normalizeH="0" baseline="0" noProof="0" dirty="0">
+              <a:ln>
+                <a:noFill/>
+              </a:ln>
+              <a:solidFill>
+                <a:srgbClr val="FFFFFF"/>
+              </a:solidFill>
+              <a:effectLst/>
+              <a:uLnTx/>
+              <a:uFillTx/>
+              <a:latin typeface="HY헤드라인M" panose="02030600000101010101" pitchFamily="18" charset="-127"/>
+              <a:ea typeface="HY헤드라인M" panose="02030600000101010101" pitchFamily="18" charset="-127"/>
+              <a:cs typeface="+mn-cs"/>
+            </a:endParaRPr>
+          </a:p>
+          <a:p>
+            <a:pPr lvl="0" algn="ctr"/>
+            <a:endParaRPr lang="en-US" altLang="ko-KR" sz="1600" dirty="0">
+              <a:solidFill>
+                <a:srgbClr val="FFFFFF"/>
+              </a:solidFill>
+              <a:latin typeface="HY헤드라인M" panose="02030600000101010101" pitchFamily="18" charset="-127"/>
+              <a:ea typeface="HY헤드라인M" panose="02030600000101010101" pitchFamily="18" charset="-127"/>
+            </a:endParaRPr>
+          </a:p>
+          <a:p>
+            <a:pPr lvl="0" algn="ctr"/>
+            <a:r>
+              <a:rPr kumimoji="0" lang="ko-KR" altLang="en-US" sz="1600" b="0" i="0" u="none" strike="noStrike" kern="1200" cap="none" spc="0" normalizeH="0" baseline="0" noProof="0" dirty="0">
+                <a:ln>
+                  <a:noFill/>
+                </a:ln>
+                <a:solidFill>
+                  <a:srgbClr val="FFFFFF"/>
+                </a:solidFill>
+                <a:effectLst/>
+                <a:uLnTx/>
+                <a:uFillTx/>
+                <a:latin typeface="HY헤드라인M" panose="02030600000101010101" pitchFamily="18" charset="-127"/>
+                <a:ea typeface="HY헤드라인M" panose="02030600000101010101" pitchFamily="18" charset="-127"/>
+                <a:cs typeface="+mn-cs"/>
+              </a:rPr>
+              <a:t>승리를 위한 요구조건 최소화</a:t>
+            </a:r>
+            <a:endParaRPr kumimoji="0" lang="en-US" altLang="ko-KR" sz="1600" b="0" i="0" u="none" strike="noStrike" kern="1200" cap="none" spc="0" normalizeH="0" baseline="0" noProof="0" dirty="0">
+              <a:ln>
+                <a:noFill/>
+              </a:ln>
+              <a:solidFill>
+                <a:srgbClr val="FFFFFF"/>
+              </a:solidFill>
+              <a:effectLst/>
+              <a:uLnTx/>
+              <a:uFillTx/>
+              <a:latin typeface="HY헤드라인M" panose="02030600000101010101" pitchFamily="18" charset="-127"/>
+              <a:ea typeface="HY헤드라인M" panose="02030600000101010101" pitchFamily="18" charset="-127"/>
+              <a:cs typeface="+mn-cs"/>
+            </a:endParaRPr>
+          </a:p>
+          <a:p>
+            <a:pPr lvl="0" algn="ctr"/>
+            <a:endParaRPr lang="en-US" altLang="ko-KR" sz="1600" dirty="0">
+              <a:solidFill>
+                <a:srgbClr val="FFFFFF"/>
+              </a:solidFill>
+              <a:latin typeface="HY헤드라인M" panose="02030600000101010101" pitchFamily="18" charset="-127"/>
+              <a:ea typeface="HY헤드라인M" panose="02030600000101010101" pitchFamily="18" charset="-127"/>
+            </a:endParaRPr>
+          </a:p>
+          <a:p>
+            <a:pPr lvl="0" algn="ctr"/>
+            <a:r>
+              <a:rPr kumimoji="0" lang="ko-KR" altLang="en-US" sz="1600" b="0" i="0" u="none" strike="noStrike" kern="1200" cap="none" spc="0" normalizeH="0" baseline="0" noProof="0" dirty="0">
+                <a:ln>
+                  <a:noFill/>
+                </a:ln>
+                <a:solidFill>
+                  <a:srgbClr val="FFFFFF"/>
+                </a:solidFill>
+                <a:effectLst/>
+                <a:uLnTx/>
+                <a:uFillTx/>
+                <a:latin typeface="HY헤드라인M" panose="02030600000101010101" pitchFamily="18" charset="-127"/>
+                <a:ea typeface="HY헤드라인M" panose="02030600000101010101" pitchFamily="18" charset="-127"/>
+                <a:cs typeface="+mn-cs"/>
+              </a:rPr>
+              <a:t>모두가 동등한 조건에서 시작</a:t>
+            </a:r>
+            <a:endParaRPr kumimoji="0" lang="en-US" altLang="ko-KR" sz="1600" b="0" i="0" u="none" strike="noStrike" kern="1200" cap="none" spc="0" normalizeH="0" baseline="0" noProof="0" dirty="0">
+              <a:ln>
+                <a:noFill/>
+              </a:ln>
+              <a:solidFill>
+                <a:srgbClr val="FFFFFF"/>
+              </a:solidFill>
+              <a:effectLst/>
+              <a:uLnTx/>
+              <a:uFillTx/>
+              <a:latin typeface="HY헤드라인M" panose="02030600000101010101" pitchFamily="18" charset="-127"/>
+              <a:ea typeface="HY헤드라인M" panose="02030600000101010101" pitchFamily="18" charset="-127"/>
+              <a:cs typeface="+mn-cs"/>
+            </a:endParaRPr>
+          </a:p>
+        </p:txBody>
+      </p:sp>
+    </p:spTree>
+    <p:extLst>
+      <p:ext uri="{BB962C8B-B14F-4D97-AF65-F5344CB8AC3E}">
+        <p14:creationId xmlns:p14="http://schemas.microsoft.com/office/powerpoint/2010/main" val="1925980681"/>
+      </p:ext>
+    </p:extLst>
+  </p:cSld>
+  <p:clrMapOvr>
+    <a:masterClrMapping/>
+  </p:clrMapOvr>
+</p:sld>
+</file>
+
+<file path=ppt/slides/slide16.xml><?xml version="1.0" encoding="utf-8"?>
+<p:sld xmlns:a="http://schemas.openxmlformats.org/drawingml/2006/main" xmlns:r="http://schemas.openxmlformats.org/officeDocument/2006/relationships" xmlns:p="http://schemas.openxmlformats.org/presentationml/2006/main" showMasterSp="0">
+  <p:cSld>
+    <p:spTree>
+      <p:nvGrpSpPr>
+        <p:cNvPr id="1" name=""/>
+        <p:cNvGrpSpPr/>
+        <p:nvPr/>
+      </p:nvGrpSpPr>
+      <p:grpSpPr>
+        <a:xfrm>
+          <a:off x="0" y="0"/>
+          <a:ext cx="0" cy="0"/>
+          <a:chOff x="0" y="0"/>
+          <a:chExt cx="0" cy="0"/>
+        </a:xfrm>
+      </p:grpSpPr>
+      <p:sp>
+        <p:nvSpPr>
+          <p:cNvPr id="6" name="직사각형 5">
+            <a:extLst>
+              <a:ext uri="{FF2B5EF4-FFF2-40B4-BE49-F238E27FC236}">
+                <a16:creationId xmlns:a16="http://schemas.microsoft.com/office/drawing/2014/main" id="{CFF1CAA2-04CC-496D-80EE-A52890558A65}"/>
+              </a:ext>
+            </a:extLst>
+          </p:cNvPr>
+          <p:cNvSpPr/>
+          <p:nvPr/>
+        </p:nvSpPr>
+        <p:spPr>
+          <a:xfrm>
+            <a:off x="38101" y="38097"/>
+            <a:ext cx="1260000" cy="1260000"/>
+          </a:xfrm>
+          <a:prstGeom prst="rect">
+            <a:avLst/>
+          </a:prstGeom>
+          <a:ln w="76200" cap="sq">
+            <a:solidFill>
+              <a:schemeClr val="tx1">
+                <a:lumMod val="85000"/>
+              </a:schemeClr>
+            </a:solidFill>
+            <a:miter lim="800000"/>
+          </a:ln>
+        </p:spPr>
+        <p:style>
+          <a:lnRef idx="2">
+            <a:schemeClr val="accent1">
+              <a:shade val="50000"/>
+            </a:schemeClr>
+          </a:lnRef>
+          <a:fillRef idx="1">
+            <a:schemeClr val="accent1"/>
+          </a:fillRef>
+          <a:effectRef idx="0">
+            <a:schemeClr val="accent1"/>
+          </a:effectRef>
+          <a:fontRef idx="minor">
+            <a:schemeClr val="lt1"/>
+          </a:fontRef>
+        </p:style>
+        <p:txBody>
+          <a:bodyPr rtlCol="0" anchor="ctr"/>
+          <a:lstStyle/>
+          <a:p>
             <a:pPr algn="ctr"/>
             <a:r>
               <a:rPr lang="en-US" altLang="ko-KR" sz="5400" dirty="0">
